--- a/Results.pptx
+++ b/Results.pptx
@@ -5,7 +5,7 @@
     <p:sldMasterId id="2147483648" r:id="rId1"/>
   </p:sldMasterIdLst>
   <p:notesMasterIdLst>
-    <p:notesMasterId r:id="rId8"/>
+    <p:notesMasterId r:id="rId9"/>
   </p:notesMasterIdLst>
   <p:sldIdLst>
     <p:sldId id="261" r:id="rId2"/>
@@ -14,6 +14,7 @@
     <p:sldId id="264" r:id="rId5"/>
     <p:sldId id="265" r:id="rId6"/>
     <p:sldId id="266" r:id="rId7"/>
+    <p:sldId id="267" r:id="rId8"/>
   </p:sldIdLst>
   <p:sldSz cx="12192000" cy="6858000"/>
   <p:notesSz cx="6858000" cy="9144000"/>
@@ -112,6 +113,11 @@
       </a:defRPr>
     </a:lvl9pPr>
   </p:defaultTextStyle>
+  <p:extLst>
+    <p:ext uri="{EFAFB233-063F-42B5-8137-9DF3F51BA10A}">
+      <p15:sldGuideLst xmlns:p15="http://schemas.microsoft.com/office/powerpoint/2012/main"/>
+    </p:ext>
+  </p:extLst>
 </p:presentation>
 </file>
 
@@ -197,7 +203,7 @@
           <a:p>
             <a:fld id="{00AF4C90-A0CB-45B0-8210-59338C5C7B2C}" type="datetimeFigureOut">
               <a:rPr lang="zh-TW" altLang="en-US" smtClean="0"/>
-              <a:t>2021/10/18</a:t>
+              <a:t>2022/1/9</a:t>
             </a:fld>
             <a:endParaRPr lang="zh-TW" altLang="en-US"/>
           </a:p>
@@ -632,6 +638,90 @@
 </p:notes>
 </file>
 
+<file path=ppt/notesSlides/notesSlide3.xml><?xml version="1.0" encoding="utf-8"?>
+<p:notes xmlns:a="http://schemas.openxmlformats.org/drawingml/2006/main" xmlns:r="http://schemas.openxmlformats.org/officeDocument/2006/relationships" xmlns:p="http://schemas.openxmlformats.org/presentationml/2006/main">
+  <p:cSld>
+    <p:spTree>
+      <p:nvGrpSpPr>
+        <p:cNvPr id="1" name=""/>
+        <p:cNvGrpSpPr/>
+        <p:nvPr/>
+      </p:nvGrpSpPr>
+      <p:grpSpPr>
+        <a:xfrm>
+          <a:off x="0" y="0"/>
+          <a:ext cx="0" cy="0"/>
+          <a:chOff x="0" y="0"/>
+          <a:chExt cx="0" cy="0"/>
+        </a:xfrm>
+      </p:grpSpPr>
+      <p:sp>
+        <p:nvSpPr>
+          <p:cNvPr id="2" name="投影片影像版面配置區 1"/>
+          <p:cNvSpPr>
+            <a:spLocks noGrp="1" noRot="1" noChangeAspect="1"/>
+          </p:cNvSpPr>
+          <p:nvPr>
+            <p:ph type="sldImg"/>
+          </p:nvPr>
+        </p:nvSpPr>
+        <p:spPr/>
+      </p:sp>
+      <p:sp>
+        <p:nvSpPr>
+          <p:cNvPr id="3" name="備忘稿版面配置區 2"/>
+          <p:cNvSpPr>
+            <a:spLocks noGrp="1"/>
+          </p:cNvSpPr>
+          <p:nvPr>
+            <p:ph type="body" idx="1"/>
+          </p:nvPr>
+        </p:nvSpPr>
+        <p:spPr/>
+        <p:txBody>
+          <a:bodyPr/>
+          <a:lstStyle/>
+          <a:p>
+            <a:endParaRPr lang="zh-TW" altLang="en-US" dirty="0"/>
+          </a:p>
+        </p:txBody>
+      </p:sp>
+      <p:sp>
+        <p:nvSpPr>
+          <p:cNvPr id="4" name="投影片編號版面配置區 3"/>
+          <p:cNvSpPr>
+            <a:spLocks noGrp="1"/>
+          </p:cNvSpPr>
+          <p:nvPr>
+            <p:ph type="sldNum" sz="quarter" idx="5"/>
+          </p:nvPr>
+        </p:nvSpPr>
+        <p:spPr/>
+        <p:txBody>
+          <a:bodyPr/>
+          <a:lstStyle/>
+          <a:p>
+            <a:fld id="{3780CCD2-EDEC-4596-A2E3-1CCC14B600B3}" type="slidenum">
+              <a:rPr lang="zh-TW" altLang="en-US" smtClean="0"/>
+              <a:t>7</a:t>
+            </a:fld>
+            <a:endParaRPr lang="zh-TW" altLang="en-US"/>
+          </a:p>
+        </p:txBody>
+      </p:sp>
+    </p:spTree>
+    <p:extLst>
+      <p:ext uri="{BB962C8B-B14F-4D97-AF65-F5344CB8AC3E}">
+        <p14:creationId xmlns:p14="http://schemas.microsoft.com/office/powerpoint/2010/main" val="751065406"/>
+      </p:ext>
+    </p:extLst>
+  </p:cSld>
+  <p:clrMapOvr>
+    <a:masterClrMapping/>
+  </p:clrMapOvr>
+</p:notes>
+</file>
+
 <file path=ppt/slideLayouts/slideLayout1.xml><?xml version="1.0" encoding="utf-8"?>
 <p:sldLayout xmlns:a="http://schemas.openxmlformats.org/drawingml/2006/main" xmlns:r="http://schemas.openxmlformats.org/officeDocument/2006/relationships" xmlns:p="http://schemas.openxmlformats.org/presentationml/2006/main" type="title" preserve="1">
   <p:cSld name="標題投影片">
@@ -779,7 +869,7 @@
           <a:p>
             <a:fld id="{A3AB22E8-4A63-455D-9C85-5BFA64C3707A}" type="datetimeFigureOut">
               <a:rPr lang="zh-TW" altLang="en-US" smtClean="0"/>
-              <a:t>2021/10/18</a:t>
+              <a:t>2022/1/9</a:t>
             </a:fld>
             <a:endParaRPr lang="zh-TW" altLang="en-US"/>
           </a:p>
@@ -977,7 +1067,7 @@
           <a:p>
             <a:fld id="{A3AB22E8-4A63-455D-9C85-5BFA64C3707A}" type="datetimeFigureOut">
               <a:rPr lang="zh-TW" altLang="en-US" smtClean="0"/>
-              <a:t>2021/10/18</a:t>
+              <a:t>2022/1/9</a:t>
             </a:fld>
             <a:endParaRPr lang="zh-TW" altLang="en-US"/>
           </a:p>
@@ -1185,7 +1275,7 @@
           <a:p>
             <a:fld id="{A3AB22E8-4A63-455D-9C85-5BFA64C3707A}" type="datetimeFigureOut">
               <a:rPr lang="zh-TW" altLang="en-US" smtClean="0"/>
-              <a:t>2021/10/18</a:t>
+              <a:t>2022/1/9</a:t>
             </a:fld>
             <a:endParaRPr lang="zh-TW" altLang="en-US"/>
           </a:p>
@@ -1383,7 +1473,7 @@
           <a:p>
             <a:fld id="{A3AB22E8-4A63-455D-9C85-5BFA64C3707A}" type="datetimeFigureOut">
               <a:rPr lang="zh-TW" altLang="en-US" smtClean="0"/>
-              <a:t>2021/10/18</a:t>
+              <a:t>2022/1/9</a:t>
             </a:fld>
             <a:endParaRPr lang="zh-TW" altLang="en-US"/>
           </a:p>
@@ -1658,7 +1748,7 @@
           <a:p>
             <a:fld id="{A3AB22E8-4A63-455D-9C85-5BFA64C3707A}" type="datetimeFigureOut">
               <a:rPr lang="zh-TW" altLang="en-US" smtClean="0"/>
-              <a:t>2021/10/18</a:t>
+              <a:t>2022/1/9</a:t>
             </a:fld>
             <a:endParaRPr lang="zh-TW" altLang="en-US"/>
           </a:p>
@@ -1923,7 +2013,7 @@
           <a:p>
             <a:fld id="{A3AB22E8-4A63-455D-9C85-5BFA64C3707A}" type="datetimeFigureOut">
               <a:rPr lang="zh-TW" altLang="en-US" smtClean="0"/>
-              <a:t>2021/10/18</a:t>
+              <a:t>2022/1/9</a:t>
             </a:fld>
             <a:endParaRPr lang="zh-TW" altLang="en-US"/>
           </a:p>
@@ -2335,7 +2425,7 @@
           <a:p>
             <a:fld id="{A3AB22E8-4A63-455D-9C85-5BFA64C3707A}" type="datetimeFigureOut">
               <a:rPr lang="zh-TW" altLang="en-US" smtClean="0"/>
-              <a:t>2021/10/18</a:t>
+              <a:t>2022/1/9</a:t>
             </a:fld>
             <a:endParaRPr lang="zh-TW" altLang="en-US"/>
           </a:p>
@@ -2476,7 +2566,7 @@
           <a:p>
             <a:fld id="{A3AB22E8-4A63-455D-9C85-5BFA64C3707A}" type="datetimeFigureOut">
               <a:rPr lang="zh-TW" altLang="en-US" smtClean="0"/>
-              <a:t>2021/10/18</a:t>
+              <a:t>2022/1/9</a:t>
             </a:fld>
             <a:endParaRPr lang="zh-TW" altLang="en-US"/>
           </a:p>
@@ -2589,7 +2679,7 @@
           <a:p>
             <a:fld id="{A3AB22E8-4A63-455D-9C85-5BFA64C3707A}" type="datetimeFigureOut">
               <a:rPr lang="zh-TW" altLang="en-US" smtClean="0"/>
-              <a:t>2021/10/18</a:t>
+              <a:t>2022/1/9</a:t>
             </a:fld>
             <a:endParaRPr lang="zh-TW" altLang="en-US"/>
           </a:p>
@@ -2900,7 +2990,7 @@
           <a:p>
             <a:fld id="{A3AB22E8-4A63-455D-9C85-5BFA64C3707A}" type="datetimeFigureOut">
               <a:rPr lang="zh-TW" altLang="en-US" smtClean="0"/>
-              <a:t>2021/10/18</a:t>
+              <a:t>2022/1/9</a:t>
             </a:fld>
             <a:endParaRPr lang="zh-TW" altLang="en-US"/>
           </a:p>
@@ -3188,7 +3278,7 @@
           <a:p>
             <a:fld id="{A3AB22E8-4A63-455D-9C85-5BFA64C3707A}" type="datetimeFigureOut">
               <a:rPr lang="zh-TW" altLang="en-US" smtClean="0"/>
-              <a:t>2021/10/18</a:t>
+              <a:t>2022/1/9</a:t>
             </a:fld>
             <a:endParaRPr lang="zh-TW" altLang="en-US"/>
           </a:p>
@@ -3429,7 +3519,7 @@
           <a:p>
             <a:fld id="{A3AB22E8-4A63-455D-9C85-5BFA64C3707A}" type="datetimeFigureOut">
               <a:rPr lang="zh-TW" altLang="en-US" smtClean="0"/>
-              <a:t>2021/10/18</a:t>
+              <a:t>2022/1/9</a:t>
             </a:fld>
             <a:endParaRPr lang="zh-TW" altLang="en-US"/>
           </a:p>
@@ -10725,8 +10815,8 @@
           </a:xfrm>
         </p:spPr>
       </p:pic>
-      <mc:AlternateContent xmlns:mc="http://schemas.openxmlformats.org/markup-compatibility/2006">
-        <mc:Choice xmlns:a14="http://schemas.microsoft.com/office/drawing/2010/main" Requires="a14">
+      <mc:AlternateContent xmlns:mc="http://schemas.openxmlformats.org/markup-compatibility/2006" xmlns:a14="http://schemas.microsoft.com/office/drawing/2010/main">
+        <mc:Choice Requires="a14">
           <p:sp>
             <p:nvSpPr>
               <p:cNvPr id="6" name="文字方塊 5">
@@ -11452,7 +11542,7 @@
             </p:txBody>
           </p:sp>
         </mc:Choice>
-        <mc:Fallback>
+        <mc:Fallback xmlns="">
           <p:sp>
             <p:nvSpPr>
               <p:cNvPr id="6" name="文字方塊 5">
@@ -11501,6 +11591,962 @@
     <p:extLst>
       <p:ext uri="{BB962C8B-B14F-4D97-AF65-F5344CB8AC3E}">
         <p14:creationId xmlns:p14="http://schemas.microsoft.com/office/powerpoint/2010/main" val="374246261"/>
+      </p:ext>
+    </p:extLst>
+  </p:cSld>
+  <p:clrMapOvr>
+    <a:masterClrMapping/>
+  </p:clrMapOvr>
+</p:sld>
+</file>
+
+<file path=ppt/slides/slide7.xml><?xml version="1.0" encoding="utf-8"?>
+<p:sld xmlns:a="http://schemas.openxmlformats.org/drawingml/2006/main" xmlns:r="http://schemas.openxmlformats.org/officeDocument/2006/relationships" xmlns:p="http://schemas.openxmlformats.org/presentationml/2006/main">
+  <p:cSld>
+    <p:spTree>
+      <p:nvGrpSpPr>
+        <p:cNvPr id="1" name=""/>
+        <p:cNvGrpSpPr/>
+        <p:nvPr/>
+      </p:nvGrpSpPr>
+      <p:grpSpPr>
+        <a:xfrm>
+          <a:off x="0" y="0"/>
+          <a:ext cx="0" cy="0"/>
+          <a:chOff x="0" y="0"/>
+          <a:chExt cx="0" cy="0"/>
+        </a:xfrm>
+      </p:grpSpPr>
+      <p:sp>
+        <p:nvSpPr>
+          <p:cNvPr id="3" name="內容版面配置區 2">
+            <a:extLst>
+              <a:ext uri="{FF2B5EF4-FFF2-40B4-BE49-F238E27FC236}">
+                <a16:creationId xmlns:a16="http://schemas.microsoft.com/office/drawing/2014/main" id="{1EFD2E42-DB6B-4AD8-AE72-092635682EEE}"/>
+              </a:ext>
+            </a:extLst>
+          </p:cNvPr>
+          <p:cNvSpPr>
+            <a:spLocks noGrp="1"/>
+          </p:cNvSpPr>
+          <p:nvPr>
+            <p:ph idx="1"/>
+          </p:nvPr>
+        </p:nvSpPr>
+        <p:spPr>
+          <a:xfrm>
+            <a:off x="838200" y="0"/>
+            <a:ext cx="10515600" cy="6176963"/>
+          </a:xfrm>
+        </p:spPr>
+        <p:txBody>
+          <a:bodyPr/>
+          <a:lstStyle/>
+          <a:p>
+            <a:pPr marL="0" indent="0">
+              <a:buNone/>
+            </a:pPr>
+            <a:endParaRPr lang="en-US" altLang="zh-TW" sz="2400" dirty="0"/>
+          </a:p>
+          <a:p>
+            <a:r>
+              <a:rPr lang="en-US" altLang="zh-TW" sz="2400" dirty="0"/>
+              <a:t>Feature: emo distribution from </a:t>
+            </a:r>
+            <a:r>
+              <a:rPr lang="en-US" altLang="zh-TW" sz="2400" dirty="0" err="1"/>
+              <a:t>iaan</a:t>
+            </a:r>
+            <a:r>
+              <a:rPr lang="en-US" altLang="zh-TW" sz="2400" dirty="0"/>
+              <a:t>, each </a:t>
+            </a:r>
+            <a:r>
+              <a:rPr lang="en-US" altLang="zh-TW" sz="2400" dirty="0" err="1"/>
+              <a:t>utt</a:t>
+            </a:r>
+            <a:r>
+              <a:rPr lang="en-US" altLang="zh-TW" sz="2400" dirty="0"/>
+              <a:t>: (1, 4)</a:t>
+            </a:r>
+            <a:endParaRPr lang="en-US" altLang="zh-TW" dirty="0"/>
+          </a:p>
+          <a:p>
+            <a:endParaRPr lang="en-US" altLang="zh-TW" dirty="0"/>
+          </a:p>
+          <a:p>
+            <a:endParaRPr lang="en-US" altLang="zh-TW" dirty="0"/>
+          </a:p>
+          <a:p>
+            <a:endParaRPr lang="en-US" altLang="zh-TW" dirty="0"/>
+          </a:p>
+          <a:p>
+            <a:endParaRPr lang="en-US" altLang="zh-TW" dirty="0"/>
+          </a:p>
+          <a:p>
+            <a:endParaRPr lang="en-US" altLang="zh-TW" dirty="0"/>
+          </a:p>
+          <a:p>
+            <a:endParaRPr lang="zh-TW" altLang="en-US" dirty="0"/>
+          </a:p>
+        </p:txBody>
+      </p:sp>
+      <p:graphicFrame>
+        <p:nvGraphicFramePr>
+          <p:cNvPr id="4" name="表格 3">
+            <a:extLst>
+              <a:ext uri="{FF2B5EF4-FFF2-40B4-BE49-F238E27FC236}">
+                <a16:creationId xmlns:a16="http://schemas.microsoft.com/office/drawing/2014/main" id="{82904CFF-967C-45A1-97BB-72B0D19224D3}"/>
+              </a:ext>
+            </a:extLst>
+          </p:cNvPr>
+          <p:cNvGraphicFramePr>
+            <a:graphicFrameLocks noGrp="1"/>
+          </p:cNvGraphicFramePr>
+          <p:nvPr>
+            <p:extLst>
+              <p:ext uri="{D42A27DB-BD31-4B8C-83A1-F6EECF244321}">
+                <p14:modId xmlns:p14="http://schemas.microsoft.com/office/powerpoint/2010/main" val="385238527"/>
+              </p:ext>
+            </p:extLst>
+          </p:nvPr>
+        </p:nvGraphicFramePr>
+        <p:xfrm>
+          <a:off x="595182" y="970237"/>
+          <a:ext cx="11001635" cy="3301845"/>
+        </p:xfrm>
+        <a:graphic>
+          <a:graphicData uri="http://schemas.openxmlformats.org/drawingml/2006/table">
+            <a:tbl>
+              <a:tblPr firstRow="1" bandRow="1">
+                <a:tableStyleId>{5C22544A-7EE6-4342-B048-85BDC9FD1C3A}</a:tableStyleId>
+              </a:tblPr>
+              <a:tblGrid>
+                <a:gridCol w="3320596">
+                  <a:extLst>
+                    <a:ext uri="{9D8B030D-6E8A-4147-A177-3AD203B41FA5}">
+                      <a16:colId xmlns:a16="http://schemas.microsoft.com/office/drawing/2014/main" val="211046509"/>
+                    </a:ext>
+                  </a:extLst>
+                </a:gridCol>
+                <a:gridCol w="1498509">
+                  <a:extLst>
+                    <a:ext uri="{9D8B030D-6E8A-4147-A177-3AD203B41FA5}">
+                      <a16:colId xmlns:a16="http://schemas.microsoft.com/office/drawing/2014/main" val="1183972687"/>
+                    </a:ext>
+                  </a:extLst>
+                </a:gridCol>
+                <a:gridCol w="2439854">
+                  <a:extLst>
+                    <a:ext uri="{9D8B030D-6E8A-4147-A177-3AD203B41FA5}">
+                      <a16:colId xmlns:a16="http://schemas.microsoft.com/office/drawing/2014/main" val="441714504"/>
+                    </a:ext>
+                  </a:extLst>
+                </a:gridCol>
+                <a:gridCol w="1245160">
+                  <a:extLst>
+                    <a:ext uri="{9D8B030D-6E8A-4147-A177-3AD203B41FA5}">
+                      <a16:colId xmlns:a16="http://schemas.microsoft.com/office/drawing/2014/main" val="3635777610"/>
+                    </a:ext>
+                  </a:extLst>
+                </a:gridCol>
+                <a:gridCol w="2497516">
+                  <a:extLst>
+                    <a:ext uri="{9D8B030D-6E8A-4147-A177-3AD203B41FA5}">
+                      <a16:colId xmlns:a16="http://schemas.microsoft.com/office/drawing/2014/main" val="1222900012"/>
+                    </a:ext>
+                  </a:extLst>
+                </a:gridCol>
+              </a:tblGrid>
+              <a:tr h="327026">
+                <a:tc rowSpan="2">
+                  <a:txBody>
+                    <a:bodyPr/>
+                    <a:lstStyle/>
+                    <a:p>
+                      <a:r>
+                        <a:rPr lang="en-US" altLang="zh-TW" sz="1600" dirty="0"/>
+                        <a:t>Model</a:t>
+                      </a:r>
+                      <a:endParaRPr lang="zh-TW" altLang="en-US" sz="1600" dirty="0"/>
+                    </a:p>
+                  </a:txBody>
+                  <a:tcPr/>
+                </a:tc>
+                <a:tc gridSpan="2">
+                  <a:txBody>
+                    <a:bodyPr/>
+                    <a:lstStyle/>
+                    <a:p>
+                      <a:r>
+                        <a:rPr lang="en-US" altLang="zh-TW" sz="1600" dirty="0"/>
+                        <a:t>emo distribution from IAAN</a:t>
+                      </a:r>
+                    </a:p>
+                    <a:p>
+                      <a:r>
+                        <a:rPr lang="en-US" altLang="zh-TW" sz="1600" dirty="0"/>
+                        <a:t>UAR: 65.22%, ACC:64.33%</a:t>
+                      </a:r>
+                    </a:p>
+                  </a:txBody>
+                  <a:tcPr>
+                    <a:solidFill>
+                      <a:schemeClr val="accent1"/>
+                    </a:solidFill>
+                  </a:tcPr>
+                </a:tc>
+                <a:tc hMerge="1">
+                  <a:txBody>
+                    <a:bodyPr/>
+                    <a:lstStyle/>
+                    <a:p>
+                      <a:endParaRPr lang="zh-TW" altLang="en-US" dirty="0"/>
+                    </a:p>
+                  </a:txBody>
+                  <a:tcPr>
+                    <a:solidFill>
+                      <a:schemeClr val="accent1"/>
+                    </a:solidFill>
+                  </a:tcPr>
+                </a:tc>
+                <a:tc gridSpan="2">
+                  <a:txBody>
+                    <a:bodyPr/>
+                    <a:lstStyle/>
+                    <a:p>
+                      <a:pPr marL="0" marR="0" lvl="0" indent="0" algn="l" defTabSz="914400" rtl="0" eaLnBrk="1" fontAlgn="auto" latinLnBrk="0" hangingPunct="1">
+                        <a:lnSpc>
+                          <a:spcPct val="100000"/>
+                        </a:lnSpc>
+                        <a:spcBef>
+                          <a:spcPts val="0"/>
+                        </a:spcBef>
+                        <a:spcAft>
+                          <a:spcPts val="0"/>
+                        </a:spcAft>
+                        <a:buClrTx/>
+                        <a:buSzTx/>
+                        <a:buFontTx/>
+                        <a:buNone/>
+                        <a:tabLst/>
+                        <a:defRPr/>
+                      </a:pPr>
+                      <a:r>
+                        <a:rPr lang="en-US" altLang="zh-TW" sz="1600" dirty="0"/>
+                        <a:t>emo distribution from DAG</a:t>
+                      </a:r>
+                    </a:p>
+                    <a:p>
+                      <a:pPr marL="0" marR="0" lvl="0" indent="0" algn="l" defTabSz="914400" rtl="0" eaLnBrk="1" fontAlgn="auto" latinLnBrk="0" hangingPunct="1">
+                        <a:lnSpc>
+                          <a:spcPct val="100000"/>
+                        </a:lnSpc>
+                        <a:spcBef>
+                          <a:spcPts val="0"/>
+                        </a:spcBef>
+                        <a:spcAft>
+                          <a:spcPts val="0"/>
+                        </a:spcAft>
+                        <a:buClrTx/>
+                        <a:buSzTx/>
+                        <a:buFontTx/>
+                        <a:buNone/>
+                        <a:tabLst/>
+                        <a:defRPr/>
+                      </a:pPr>
+                      <a:r>
+                        <a:rPr lang="en-US" altLang="zh-TW" sz="1600" dirty="0"/>
+                        <a:t>UAR</a:t>
+                      </a:r>
+                      <a:r>
+                        <a:rPr lang="en-US" altLang="zh-TW" sz="1600"/>
+                        <a:t>: 68.64%, </a:t>
+                      </a:r>
+                      <a:r>
+                        <a:rPr lang="en-US" altLang="zh-TW" sz="1600" dirty="0"/>
+                        <a:t>ACC</a:t>
+                      </a:r>
+                      <a:r>
+                        <a:rPr lang="en-US" altLang="zh-TW" sz="1600"/>
+                        <a:t>:66.62%</a:t>
+                      </a:r>
+                      <a:endParaRPr lang="en-US" altLang="zh-TW" sz="1600" dirty="0"/>
+                    </a:p>
+                  </a:txBody>
+                  <a:tcPr>
+                    <a:solidFill>
+                      <a:schemeClr val="accent1"/>
+                    </a:solidFill>
+                  </a:tcPr>
+                </a:tc>
+                <a:tc hMerge="1">
+                  <a:txBody>
+                    <a:bodyPr/>
+                    <a:lstStyle/>
+                    <a:p>
+                      <a:endParaRPr lang="zh-TW" altLang="en-US" dirty="0"/>
+                    </a:p>
+                  </a:txBody>
+                  <a:tcPr/>
+                </a:tc>
+                <a:extLst>
+                  <a:ext uri="{0D108BD9-81ED-4DB2-BD59-A6C34878D82A}">
+                    <a16:rowId xmlns:a16="http://schemas.microsoft.com/office/drawing/2014/main" val="1178338048"/>
+                  </a:ext>
+                </a:extLst>
+              </a:tr>
+              <a:tr h="327026">
+                <a:tc vMerge="1">
+                  <a:txBody>
+                    <a:bodyPr/>
+                    <a:lstStyle/>
+                    <a:p>
+                      <a:endParaRPr lang="zh-TW" altLang="en-US"/>
+                    </a:p>
+                  </a:txBody>
+                  <a:tcPr/>
+                </a:tc>
+                <a:tc>
+                  <a:txBody>
+                    <a:bodyPr/>
+                    <a:lstStyle/>
+                    <a:p>
+                      <a:pPr marL="0" marR="0" lvl="0" indent="0" algn="l" defTabSz="914400" rtl="0" eaLnBrk="1" fontAlgn="auto" latinLnBrk="0" hangingPunct="1">
+                        <a:lnSpc>
+                          <a:spcPct val="100000"/>
+                        </a:lnSpc>
+                        <a:spcBef>
+                          <a:spcPts val="0"/>
+                        </a:spcBef>
+                        <a:spcAft>
+                          <a:spcPts val="0"/>
+                        </a:spcAft>
+                        <a:buClrTx/>
+                        <a:buSzTx/>
+                        <a:buFontTx/>
+                        <a:buNone/>
+                        <a:tabLst/>
+                        <a:defRPr/>
+                      </a:pPr>
+                      <a:r>
+                        <a:rPr kumimoji="0" lang="en-US" altLang="zh-TW" sz="1600" b="1" i="0" u="none" strike="noStrike" kern="1200" cap="none" spc="0" normalizeH="0" baseline="0" noProof="0" dirty="0">
+                          <a:ln>
+                            <a:noFill/>
+                          </a:ln>
+                          <a:solidFill>
+                            <a:prstClr val="white"/>
+                          </a:solidFill>
+                          <a:effectLst/>
+                          <a:uLnTx/>
+                          <a:uFillTx/>
+                          <a:latin typeface="+mn-lt"/>
+                          <a:ea typeface="+mn-ea"/>
+                          <a:cs typeface="+mn-cs"/>
+                        </a:rPr>
+                        <a:t>UAR</a:t>
+                      </a:r>
+                      <a:endParaRPr kumimoji="0" lang="zh-TW" altLang="en-US" sz="1600" b="1" i="0" u="none" strike="noStrike" kern="1200" cap="none" spc="0" normalizeH="0" baseline="0" noProof="0" dirty="0">
+                        <a:ln>
+                          <a:noFill/>
+                        </a:ln>
+                        <a:solidFill>
+                          <a:prstClr val="white"/>
+                        </a:solidFill>
+                        <a:effectLst/>
+                        <a:uLnTx/>
+                        <a:uFillTx/>
+                        <a:latin typeface="+mn-lt"/>
+                        <a:ea typeface="+mn-ea"/>
+                        <a:cs typeface="+mn-cs"/>
+                      </a:endParaRPr>
+                    </a:p>
+                  </a:txBody>
+                  <a:tcPr>
+                    <a:solidFill>
+                      <a:schemeClr val="accent1"/>
+                    </a:solidFill>
+                  </a:tcPr>
+                </a:tc>
+                <a:tc>
+                  <a:txBody>
+                    <a:bodyPr/>
+                    <a:lstStyle/>
+                    <a:p>
+                      <a:pPr marL="0" marR="0" lvl="0" indent="0" algn="l" defTabSz="914400" rtl="0" eaLnBrk="1" fontAlgn="auto" latinLnBrk="0" hangingPunct="1">
+                        <a:lnSpc>
+                          <a:spcPct val="100000"/>
+                        </a:lnSpc>
+                        <a:spcBef>
+                          <a:spcPts val="0"/>
+                        </a:spcBef>
+                        <a:spcAft>
+                          <a:spcPts val="0"/>
+                        </a:spcAft>
+                        <a:buClrTx/>
+                        <a:buSzTx/>
+                        <a:buFontTx/>
+                        <a:buNone/>
+                        <a:tabLst/>
+                        <a:defRPr/>
+                      </a:pPr>
+                      <a:r>
+                        <a:rPr kumimoji="0" lang="en-US" altLang="zh-TW" sz="1600" b="1" i="0" u="none" strike="noStrike" kern="1200" cap="none" spc="0" normalizeH="0" baseline="0" noProof="0" dirty="0">
+                          <a:ln>
+                            <a:noFill/>
+                          </a:ln>
+                          <a:solidFill>
+                            <a:prstClr val="white"/>
+                          </a:solidFill>
+                          <a:effectLst/>
+                          <a:uLnTx/>
+                          <a:uFillTx/>
+                          <a:latin typeface="+mn-lt"/>
+                          <a:ea typeface="+mn-ea"/>
+                          <a:cs typeface="+mn-cs"/>
+                        </a:rPr>
+                        <a:t>Precision (predict label 1)</a:t>
+                      </a:r>
+                      <a:endParaRPr kumimoji="0" lang="zh-TW" altLang="en-US" sz="1600" b="1" i="0" u="none" strike="noStrike" kern="1200" cap="none" spc="0" normalizeH="0" baseline="0" noProof="0" dirty="0">
+                        <a:ln>
+                          <a:noFill/>
+                        </a:ln>
+                        <a:solidFill>
+                          <a:prstClr val="white"/>
+                        </a:solidFill>
+                        <a:effectLst/>
+                        <a:uLnTx/>
+                        <a:uFillTx/>
+                        <a:latin typeface="+mn-lt"/>
+                        <a:ea typeface="+mn-ea"/>
+                        <a:cs typeface="+mn-cs"/>
+                      </a:endParaRPr>
+                    </a:p>
+                  </a:txBody>
+                  <a:tcPr>
+                    <a:solidFill>
+                      <a:schemeClr val="accent1"/>
+                    </a:solidFill>
+                  </a:tcPr>
+                </a:tc>
+                <a:tc>
+                  <a:txBody>
+                    <a:bodyPr/>
+                    <a:lstStyle/>
+                    <a:p>
+                      <a:pPr marL="0" marR="0" lvl="0" indent="0" algn="l" defTabSz="914400" rtl="0" eaLnBrk="1" fontAlgn="auto" latinLnBrk="0" hangingPunct="1">
+                        <a:lnSpc>
+                          <a:spcPct val="100000"/>
+                        </a:lnSpc>
+                        <a:spcBef>
+                          <a:spcPts val="0"/>
+                        </a:spcBef>
+                        <a:spcAft>
+                          <a:spcPts val="0"/>
+                        </a:spcAft>
+                        <a:buClrTx/>
+                        <a:buSzTx/>
+                        <a:buFontTx/>
+                        <a:buNone/>
+                        <a:tabLst/>
+                        <a:defRPr/>
+                      </a:pPr>
+                      <a:r>
+                        <a:rPr kumimoji="0" lang="en-US" altLang="zh-TW" sz="1600" b="1" i="0" u="none" strike="noStrike" kern="1200" cap="none" spc="0" normalizeH="0" baseline="0" noProof="0" dirty="0">
+                          <a:ln>
+                            <a:noFill/>
+                          </a:ln>
+                          <a:solidFill>
+                            <a:prstClr val="white"/>
+                          </a:solidFill>
+                          <a:effectLst/>
+                          <a:uLnTx/>
+                          <a:uFillTx/>
+                          <a:latin typeface="+mn-lt"/>
+                          <a:ea typeface="+mn-ea"/>
+                          <a:cs typeface="+mn-cs"/>
+                        </a:rPr>
+                        <a:t>UAR</a:t>
+                      </a:r>
+                      <a:endParaRPr kumimoji="0" lang="zh-TW" altLang="en-US" sz="1600" b="1" i="0" u="none" strike="noStrike" kern="1200" cap="none" spc="0" normalizeH="0" baseline="0" noProof="0" dirty="0">
+                        <a:ln>
+                          <a:noFill/>
+                        </a:ln>
+                        <a:solidFill>
+                          <a:prstClr val="white"/>
+                        </a:solidFill>
+                        <a:effectLst/>
+                        <a:uLnTx/>
+                        <a:uFillTx/>
+                        <a:latin typeface="+mn-lt"/>
+                        <a:ea typeface="+mn-ea"/>
+                        <a:cs typeface="+mn-cs"/>
+                      </a:endParaRPr>
+                    </a:p>
+                  </a:txBody>
+                  <a:tcPr>
+                    <a:solidFill>
+                      <a:schemeClr val="accent1"/>
+                    </a:solidFill>
+                  </a:tcPr>
+                </a:tc>
+                <a:tc>
+                  <a:txBody>
+                    <a:bodyPr/>
+                    <a:lstStyle/>
+                    <a:p>
+                      <a:pPr marL="0" marR="0" lvl="0" indent="0" algn="l" defTabSz="914400" rtl="0" eaLnBrk="1" fontAlgn="auto" latinLnBrk="0" hangingPunct="1">
+                        <a:lnSpc>
+                          <a:spcPct val="100000"/>
+                        </a:lnSpc>
+                        <a:spcBef>
+                          <a:spcPts val="0"/>
+                        </a:spcBef>
+                        <a:spcAft>
+                          <a:spcPts val="0"/>
+                        </a:spcAft>
+                        <a:buClrTx/>
+                        <a:buSzTx/>
+                        <a:buFontTx/>
+                        <a:buNone/>
+                        <a:tabLst/>
+                        <a:defRPr/>
+                      </a:pPr>
+                      <a:r>
+                        <a:rPr kumimoji="0" lang="en-US" altLang="zh-TW" sz="1600" b="1" i="0" u="none" strike="noStrike" kern="1200" cap="none" spc="0" normalizeH="0" baseline="0" noProof="0" dirty="0">
+                          <a:ln>
+                            <a:noFill/>
+                          </a:ln>
+                          <a:solidFill>
+                            <a:prstClr val="white"/>
+                          </a:solidFill>
+                          <a:effectLst/>
+                          <a:uLnTx/>
+                          <a:uFillTx/>
+                          <a:latin typeface="+mn-lt"/>
+                          <a:ea typeface="+mn-ea"/>
+                          <a:cs typeface="+mn-cs"/>
+                        </a:rPr>
+                        <a:t>Precision (predict label 1)</a:t>
+                      </a:r>
+                      <a:endParaRPr kumimoji="0" lang="zh-TW" altLang="en-US" sz="1600" b="1" i="0" u="none" strike="noStrike" kern="1200" cap="none" spc="0" normalizeH="0" baseline="0" noProof="0" dirty="0">
+                        <a:ln>
+                          <a:noFill/>
+                        </a:ln>
+                        <a:solidFill>
+                          <a:prstClr val="white"/>
+                        </a:solidFill>
+                        <a:effectLst/>
+                        <a:uLnTx/>
+                        <a:uFillTx/>
+                        <a:latin typeface="+mn-lt"/>
+                        <a:ea typeface="+mn-ea"/>
+                        <a:cs typeface="+mn-cs"/>
+                      </a:endParaRPr>
+                    </a:p>
+                  </a:txBody>
+                  <a:tcPr>
+                    <a:solidFill>
+                      <a:schemeClr val="accent1"/>
+                    </a:solidFill>
+                  </a:tcPr>
+                </a:tc>
+                <a:extLst>
+                  <a:ext uri="{0D108BD9-81ED-4DB2-BD59-A6C34878D82A}">
+                    <a16:rowId xmlns:a16="http://schemas.microsoft.com/office/drawing/2014/main" val="2640151235"/>
+                  </a:ext>
+                </a:extLst>
+              </a:tr>
+              <a:tr h="327026">
+                <a:tc>
+                  <a:txBody>
+                    <a:bodyPr/>
+                    <a:lstStyle/>
+                    <a:p>
+                      <a:r>
+                        <a:rPr lang="en-US" altLang="zh-TW" sz="1600" dirty="0"/>
+                        <a:t>SVM</a:t>
+                      </a:r>
+                      <a:r>
+                        <a:rPr lang="zh-TW" altLang="en-US" sz="1600" dirty="0"/>
+                        <a:t> </a:t>
+                      </a:r>
+                      <a:r>
+                        <a:rPr lang="en-US" altLang="zh-TW" sz="1600" dirty="0"/>
+                        <a:t>(oversample)</a:t>
+                      </a:r>
+                      <a:endParaRPr lang="zh-TW" altLang="en-US" sz="1600" dirty="0"/>
+                    </a:p>
+                  </a:txBody>
+                  <a:tcPr/>
+                </a:tc>
+                <a:tc>
+                  <a:txBody>
+                    <a:bodyPr/>
+                    <a:lstStyle/>
+                    <a:p>
+                      <a:endParaRPr lang="zh-TW" altLang="en-US" sz="1600" dirty="0">
+                        <a:solidFill>
+                          <a:srgbClr val="FF0000"/>
+                        </a:solidFill>
+                      </a:endParaRPr>
+                    </a:p>
+                  </a:txBody>
+                  <a:tcPr/>
+                </a:tc>
+                <a:tc>
+                  <a:txBody>
+                    <a:bodyPr/>
+                    <a:lstStyle/>
+                    <a:p>
+                      <a:endParaRPr lang="zh-TW" altLang="en-US" sz="1600" dirty="0"/>
+                    </a:p>
+                  </a:txBody>
+                  <a:tcPr/>
+                </a:tc>
+                <a:tc>
+                  <a:txBody>
+                    <a:bodyPr/>
+                    <a:lstStyle/>
+                    <a:p>
+                      <a:endParaRPr lang="zh-TW" altLang="en-US" sz="1600" dirty="0"/>
+                    </a:p>
+                  </a:txBody>
+                  <a:tcPr/>
+                </a:tc>
+                <a:tc>
+                  <a:txBody>
+                    <a:bodyPr/>
+                    <a:lstStyle/>
+                    <a:p>
+                      <a:endParaRPr lang="zh-TW" altLang="en-US" sz="1600" dirty="0"/>
+                    </a:p>
+                  </a:txBody>
+                  <a:tcPr/>
+                </a:tc>
+                <a:extLst>
+                  <a:ext uri="{0D108BD9-81ED-4DB2-BD59-A6C34878D82A}">
+                    <a16:rowId xmlns:a16="http://schemas.microsoft.com/office/drawing/2014/main" val="144577160"/>
+                  </a:ext>
+                </a:extLst>
+              </a:tr>
+              <a:tr h="572295">
+                <a:tc>
+                  <a:txBody>
+                    <a:bodyPr/>
+                    <a:lstStyle/>
+                    <a:p>
+                      <a:r>
+                        <a:rPr lang="en-US" altLang="zh-TW" sz="1600" dirty="0"/>
+                        <a:t>Random Forest</a:t>
+                      </a:r>
+                      <a:r>
+                        <a:rPr lang="zh-TW" altLang="en-US" sz="1600" dirty="0"/>
+                        <a:t> </a:t>
+                      </a:r>
+                      <a:r>
+                        <a:rPr lang="en-US" altLang="zh-TW" sz="1600" dirty="0"/>
+                        <a:t>(oversample)</a:t>
+                      </a:r>
+                      <a:endParaRPr lang="zh-TW" altLang="en-US" sz="1600" dirty="0"/>
+                    </a:p>
+                  </a:txBody>
+                  <a:tcPr/>
+                </a:tc>
+                <a:tc>
+                  <a:txBody>
+                    <a:bodyPr/>
+                    <a:lstStyle/>
+                    <a:p>
+                      <a:endParaRPr lang="zh-TW" altLang="en-US" sz="1600" dirty="0"/>
+                    </a:p>
+                  </a:txBody>
+                  <a:tcPr/>
+                </a:tc>
+                <a:tc>
+                  <a:txBody>
+                    <a:bodyPr/>
+                    <a:lstStyle/>
+                    <a:p>
+                      <a:endParaRPr lang="zh-TW" altLang="en-US" sz="1600" dirty="0">
+                        <a:solidFill>
+                          <a:schemeClr val="tx1"/>
+                        </a:solidFill>
+                      </a:endParaRPr>
+                    </a:p>
+                  </a:txBody>
+                  <a:tcPr/>
+                </a:tc>
+                <a:tc>
+                  <a:txBody>
+                    <a:bodyPr/>
+                    <a:lstStyle/>
+                    <a:p>
+                      <a:endParaRPr lang="zh-TW" altLang="en-US" sz="1600" dirty="0">
+                        <a:solidFill>
+                          <a:schemeClr val="tx1"/>
+                        </a:solidFill>
+                      </a:endParaRPr>
+                    </a:p>
+                  </a:txBody>
+                  <a:tcPr/>
+                </a:tc>
+                <a:tc>
+                  <a:txBody>
+                    <a:bodyPr/>
+                    <a:lstStyle/>
+                    <a:p>
+                      <a:endParaRPr lang="zh-TW" altLang="en-US" sz="1600" dirty="0">
+                        <a:solidFill>
+                          <a:srgbClr val="FF0000"/>
+                        </a:solidFill>
+                      </a:endParaRPr>
+                    </a:p>
+                  </a:txBody>
+                  <a:tcPr/>
+                </a:tc>
+                <a:extLst>
+                  <a:ext uri="{0D108BD9-81ED-4DB2-BD59-A6C34878D82A}">
+                    <a16:rowId xmlns:a16="http://schemas.microsoft.com/office/drawing/2014/main" val="1890774913"/>
+                  </a:ext>
+                </a:extLst>
+              </a:tr>
+              <a:tr h="572295">
+                <a:tc>
+                  <a:txBody>
+                    <a:bodyPr/>
+                    <a:lstStyle/>
+                    <a:p>
+                      <a:r>
+                        <a:rPr lang="en-US" altLang="zh-TW" sz="1600" dirty="0" err="1"/>
+                        <a:t>LogisticRegression</a:t>
+                      </a:r>
+                      <a:r>
+                        <a:rPr lang="en-US" altLang="zh-TW" sz="1600" dirty="0"/>
+                        <a:t> (</a:t>
+                      </a:r>
+                      <a:r>
+                        <a:rPr lang="en-US" altLang="zh-TW" sz="1600" dirty="0" err="1"/>
+                        <a:t>class_weight</a:t>
+                      </a:r>
+                      <a:r>
+                        <a:rPr lang="en-US" altLang="zh-TW" sz="1600" dirty="0"/>
+                        <a:t>: 1/n)</a:t>
+                      </a:r>
+                      <a:endParaRPr lang="zh-TW" altLang="en-US" sz="1600" dirty="0"/>
+                    </a:p>
+                  </a:txBody>
+                  <a:tcPr/>
+                </a:tc>
+                <a:tc>
+                  <a:txBody>
+                    <a:bodyPr/>
+                    <a:lstStyle/>
+                    <a:p>
+                      <a:endParaRPr lang="zh-TW" altLang="en-US" sz="1600" dirty="0"/>
+                    </a:p>
+                  </a:txBody>
+                  <a:tcPr/>
+                </a:tc>
+                <a:tc>
+                  <a:txBody>
+                    <a:bodyPr/>
+                    <a:lstStyle/>
+                    <a:p>
+                      <a:endParaRPr lang="zh-TW" altLang="en-US" sz="1600" dirty="0"/>
+                    </a:p>
+                  </a:txBody>
+                  <a:tcPr/>
+                </a:tc>
+                <a:tc>
+                  <a:txBody>
+                    <a:bodyPr/>
+                    <a:lstStyle/>
+                    <a:p>
+                      <a:endParaRPr lang="zh-TW" altLang="en-US" sz="1600" dirty="0"/>
+                    </a:p>
+                  </a:txBody>
+                  <a:tcPr/>
+                </a:tc>
+                <a:tc>
+                  <a:txBody>
+                    <a:bodyPr/>
+                    <a:lstStyle/>
+                    <a:p>
+                      <a:endParaRPr lang="zh-TW" altLang="en-US" sz="1600" dirty="0"/>
+                    </a:p>
+                  </a:txBody>
+                  <a:tcPr/>
+                </a:tc>
+                <a:extLst>
+                  <a:ext uri="{0D108BD9-81ED-4DB2-BD59-A6C34878D82A}">
+                    <a16:rowId xmlns:a16="http://schemas.microsoft.com/office/drawing/2014/main" val="3365221638"/>
+                  </a:ext>
+                </a:extLst>
+              </a:tr>
+              <a:tr h="327026">
+                <a:tc>
+                  <a:txBody>
+                    <a:bodyPr/>
+                    <a:lstStyle/>
+                    <a:p>
+                      <a:r>
+                        <a:rPr lang="en-US" altLang="zh-TW" sz="1600" dirty="0"/>
+                        <a:t>MLP</a:t>
+                      </a:r>
+                      <a:r>
+                        <a:rPr lang="zh-TW" altLang="en-US" sz="1600" dirty="0"/>
+                        <a:t> </a:t>
+                      </a:r>
+                      <a:r>
+                        <a:rPr lang="en-US" altLang="zh-TW" sz="1600" dirty="0"/>
+                        <a:t>(oversample)</a:t>
+                      </a:r>
+                      <a:endParaRPr lang="zh-TW" altLang="en-US" sz="1600" dirty="0"/>
+                    </a:p>
+                  </a:txBody>
+                  <a:tcPr/>
+                </a:tc>
+                <a:tc>
+                  <a:txBody>
+                    <a:bodyPr/>
+                    <a:lstStyle/>
+                    <a:p>
+                      <a:endParaRPr lang="zh-TW" altLang="en-US" sz="1600" dirty="0"/>
+                    </a:p>
+                  </a:txBody>
+                  <a:tcPr/>
+                </a:tc>
+                <a:tc>
+                  <a:txBody>
+                    <a:bodyPr/>
+                    <a:lstStyle/>
+                    <a:p>
+                      <a:endParaRPr lang="zh-TW" altLang="en-US" sz="1600" dirty="0"/>
+                    </a:p>
+                  </a:txBody>
+                  <a:tcPr/>
+                </a:tc>
+                <a:tc>
+                  <a:txBody>
+                    <a:bodyPr/>
+                    <a:lstStyle/>
+                    <a:p>
+                      <a:endParaRPr lang="zh-TW" altLang="en-US" sz="1600" dirty="0"/>
+                    </a:p>
+                  </a:txBody>
+                  <a:tcPr/>
+                </a:tc>
+                <a:tc>
+                  <a:txBody>
+                    <a:bodyPr/>
+                    <a:lstStyle/>
+                    <a:p>
+                      <a:endParaRPr lang="zh-TW" altLang="en-US" sz="1600" dirty="0"/>
+                    </a:p>
+                  </a:txBody>
+                  <a:tcPr/>
+                </a:tc>
+                <a:extLst>
+                  <a:ext uri="{0D108BD9-81ED-4DB2-BD59-A6C34878D82A}">
+                    <a16:rowId xmlns:a16="http://schemas.microsoft.com/office/drawing/2014/main" val="336766761"/>
+                  </a:ext>
+                </a:extLst>
+              </a:tr>
+              <a:tr h="572295">
+                <a:tc>
+                  <a:txBody>
+                    <a:bodyPr/>
+                    <a:lstStyle/>
+                    <a:p>
+                      <a:pPr marL="0" marR="0" lvl="0" indent="0" algn="l" defTabSz="914400" rtl="0" eaLnBrk="1" fontAlgn="auto" latinLnBrk="0" hangingPunct="1">
+                        <a:lnSpc>
+                          <a:spcPct val="100000"/>
+                        </a:lnSpc>
+                        <a:spcBef>
+                          <a:spcPts val="0"/>
+                        </a:spcBef>
+                        <a:spcAft>
+                          <a:spcPts val="0"/>
+                        </a:spcAft>
+                        <a:buClrTx/>
+                        <a:buSzTx/>
+                        <a:buFontTx/>
+                        <a:buNone/>
+                        <a:tabLst/>
+                        <a:defRPr/>
+                      </a:pPr>
+                      <a:r>
+                        <a:rPr lang="en-US" altLang="zh-TW" sz="1600" dirty="0"/>
+                        <a:t>MLP</a:t>
+                      </a:r>
+                      <a:r>
+                        <a:rPr lang="zh-TW" altLang="en-US" sz="1600" dirty="0"/>
+                        <a:t> </a:t>
+                      </a:r>
+                      <a:r>
+                        <a:rPr lang="en-US" altLang="zh-TW" sz="1600" dirty="0"/>
+                        <a:t>(weighted Cross Entropy)</a:t>
+                      </a:r>
+                      <a:endParaRPr lang="zh-TW" altLang="en-US" sz="1600" dirty="0"/>
+                    </a:p>
+                  </a:txBody>
+                  <a:tcPr/>
+                </a:tc>
+                <a:tc>
+                  <a:txBody>
+                    <a:bodyPr/>
+                    <a:lstStyle/>
+                    <a:p>
+                      <a:endParaRPr lang="zh-TW" altLang="en-US" sz="1600" dirty="0"/>
+                    </a:p>
+                  </a:txBody>
+                  <a:tcPr/>
+                </a:tc>
+                <a:tc>
+                  <a:txBody>
+                    <a:bodyPr/>
+                    <a:lstStyle/>
+                    <a:p>
+                      <a:endParaRPr lang="zh-TW" altLang="en-US" sz="1600" dirty="0"/>
+                    </a:p>
+                  </a:txBody>
+                  <a:tcPr/>
+                </a:tc>
+                <a:tc>
+                  <a:txBody>
+                    <a:bodyPr/>
+                    <a:lstStyle/>
+                    <a:p>
+                      <a:endParaRPr lang="zh-TW" altLang="en-US" sz="1600" dirty="0"/>
+                    </a:p>
+                  </a:txBody>
+                  <a:tcPr/>
+                </a:tc>
+                <a:tc>
+                  <a:txBody>
+                    <a:bodyPr/>
+                    <a:lstStyle/>
+                    <a:p>
+                      <a:endParaRPr lang="zh-TW" altLang="en-US" sz="1600" dirty="0"/>
+                    </a:p>
+                  </a:txBody>
+                  <a:tcPr/>
+                </a:tc>
+                <a:extLst>
+                  <a:ext uri="{0D108BD9-81ED-4DB2-BD59-A6C34878D82A}">
+                    <a16:rowId xmlns:a16="http://schemas.microsoft.com/office/drawing/2014/main" val="4038487507"/>
+                  </a:ext>
+                </a:extLst>
+              </a:tr>
+            </a:tbl>
+          </a:graphicData>
+        </a:graphic>
+      </p:graphicFrame>
+    </p:spTree>
+    <p:extLst>
+      <p:ext uri="{BB962C8B-B14F-4D97-AF65-F5344CB8AC3E}">
+        <p14:creationId xmlns:p14="http://schemas.microsoft.com/office/powerpoint/2010/main" val="364305219"/>
       </p:ext>
     </p:extLst>
   </p:cSld>

--- a/Results.pptx
+++ b/Results.pptx
@@ -203,7 +203,7 @@
           <a:p>
             <a:fld id="{00AF4C90-A0CB-45B0-8210-59338C5C7B2C}" type="datetimeFigureOut">
               <a:rPr lang="zh-TW" altLang="en-US" smtClean="0"/>
-              <a:t>2022/1/9</a:t>
+              <a:t>2022/1/11</a:t>
             </a:fld>
             <a:endParaRPr lang="zh-TW" altLang="en-US"/>
           </a:p>
@@ -869,7 +869,7 @@
           <a:p>
             <a:fld id="{A3AB22E8-4A63-455D-9C85-5BFA64C3707A}" type="datetimeFigureOut">
               <a:rPr lang="zh-TW" altLang="en-US" smtClean="0"/>
-              <a:t>2022/1/9</a:t>
+              <a:t>2022/1/11</a:t>
             </a:fld>
             <a:endParaRPr lang="zh-TW" altLang="en-US"/>
           </a:p>
@@ -1067,7 +1067,7 @@
           <a:p>
             <a:fld id="{A3AB22E8-4A63-455D-9C85-5BFA64C3707A}" type="datetimeFigureOut">
               <a:rPr lang="zh-TW" altLang="en-US" smtClean="0"/>
-              <a:t>2022/1/9</a:t>
+              <a:t>2022/1/11</a:t>
             </a:fld>
             <a:endParaRPr lang="zh-TW" altLang="en-US"/>
           </a:p>
@@ -1275,7 +1275,7 @@
           <a:p>
             <a:fld id="{A3AB22E8-4A63-455D-9C85-5BFA64C3707A}" type="datetimeFigureOut">
               <a:rPr lang="zh-TW" altLang="en-US" smtClean="0"/>
-              <a:t>2022/1/9</a:t>
+              <a:t>2022/1/11</a:t>
             </a:fld>
             <a:endParaRPr lang="zh-TW" altLang="en-US"/>
           </a:p>
@@ -1473,7 +1473,7 @@
           <a:p>
             <a:fld id="{A3AB22E8-4A63-455D-9C85-5BFA64C3707A}" type="datetimeFigureOut">
               <a:rPr lang="zh-TW" altLang="en-US" smtClean="0"/>
-              <a:t>2022/1/9</a:t>
+              <a:t>2022/1/11</a:t>
             </a:fld>
             <a:endParaRPr lang="zh-TW" altLang="en-US"/>
           </a:p>
@@ -1748,7 +1748,7 @@
           <a:p>
             <a:fld id="{A3AB22E8-4A63-455D-9C85-5BFA64C3707A}" type="datetimeFigureOut">
               <a:rPr lang="zh-TW" altLang="en-US" smtClean="0"/>
-              <a:t>2022/1/9</a:t>
+              <a:t>2022/1/11</a:t>
             </a:fld>
             <a:endParaRPr lang="zh-TW" altLang="en-US"/>
           </a:p>
@@ -2013,7 +2013,7 @@
           <a:p>
             <a:fld id="{A3AB22E8-4A63-455D-9C85-5BFA64C3707A}" type="datetimeFigureOut">
               <a:rPr lang="zh-TW" altLang="en-US" smtClean="0"/>
-              <a:t>2022/1/9</a:t>
+              <a:t>2022/1/11</a:t>
             </a:fld>
             <a:endParaRPr lang="zh-TW" altLang="en-US"/>
           </a:p>
@@ -2425,7 +2425,7 @@
           <a:p>
             <a:fld id="{A3AB22E8-4A63-455D-9C85-5BFA64C3707A}" type="datetimeFigureOut">
               <a:rPr lang="zh-TW" altLang="en-US" smtClean="0"/>
-              <a:t>2022/1/9</a:t>
+              <a:t>2022/1/11</a:t>
             </a:fld>
             <a:endParaRPr lang="zh-TW" altLang="en-US"/>
           </a:p>
@@ -2566,7 +2566,7 @@
           <a:p>
             <a:fld id="{A3AB22E8-4A63-455D-9C85-5BFA64C3707A}" type="datetimeFigureOut">
               <a:rPr lang="zh-TW" altLang="en-US" smtClean="0"/>
-              <a:t>2022/1/9</a:t>
+              <a:t>2022/1/11</a:t>
             </a:fld>
             <a:endParaRPr lang="zh-TW" altLang="en-US"/>
           </a:p>
@@ -2679,7 +2679,7 @@
           <a:p>
             <a:fld id="{A3AB22E8-4A63-455D-9C85-5BFA64C3707A}" type="datetimeFigureOut">
               <a:rPr lang="zh-TW" altLang="en-US" smtClean="0"/>
-              <a:t>2022/1/9</a:t>
+              <a:t>2022/1/11</a:t>
             </a:fld>
             <a:endParaRPr lang="zh-TW" altLang="en-US"/>
           </a:p>
@@ -2990,7 +2990,7 @@
           <a:p>
             <a:fld id="{A3AB22E8-4A63-455D-9C85-5BFA64C3707A}" type="datetimeFigureOut">
               <a:rPr lang="zh-TW" altLang="en-US" smtClean="0"/>
-              <a:t>2022/1/9</a:t>
+              <a:t>2022/1/11</a:t>
             </a:fld>
             <a:endParaRPr lang="zh-TW" altLang="en-US"/>
           </a:p>
@@ -3278,7 +3278,7 @@
           <a:p>
             <a:fld id="{A3AB22E8-4A63-455D-9C85-5BFA64C3707A}" type="datetimeFigureOut">
               <a:rPr lang="zh-TW" altLang="en-US" smtClean="0"/>
-              <a:t>2022/1/9</a:t>
+              <a:t>2022/1/11</a:t>
             </a:fld>
             <a:endParaRPr lang="zh-TW" altLang="en-US"/>
           </a:p>
@@ -3519,7 +3519,7 @@
           <a:p>
             <a:fld id="{A3AB22E8-4A63-455D-9C85-5BFA64C3707A}" type="datetimeFigureOut">
               <a:rPr lang="zh-TW" altLang="en-US" smtClean="0"/>
-              <a:t>2022/1/9</a:t>
+              <a:t>2022/1/11</a:t>
             </a:fld>
             <a:endParaRPr lang="zh-TW" altLang="en-US"/>
           </a:p>
@@ -6088,65 +6088,59 @@
         <p:spPr>
           <a:xfrm>
             <a:off x="838200" y="0"/>
-            <a:ext cx="10515600" cy="6176963"/>
+            <a:ext cx="10515600" cy="3058005"/>
           </a:xfrm>
         </p:spPr>
         <p:txBody>
           <a:bodyPr/>
           <a:lstStyle/>
           <a:p>
-            <a:endParaRPr lang="en-US" altLang="zh-TW" sz="2400" dirty="0"/>
-          </a:p>
-          <a:p>
-            <a:endParaRPr lang="en-US" altLang="zh-TW" sz="2400" dirty="0"/>
-          </a:p>
-          <a:p>
             <a:r>
-              <a:rPr lang="en-US" altLang="zh-TW" sz="2400" dirty="0"/>
+              <a:rPr lang="en-US" altLang="zh-TW" sz="1800" dirty="0"/>
               <a:t>Audio Feature</a:t>
             </a:r>
             <a:r>
-              <a:rPr lang="zh-TW" altLang="en-US" sz="2400" dirty="0"/>
+              <a:rPr lang="zh-TW" altLang="en-US" sz="1800" dirty="0"/>
               <a:t> </a:t>
             </a:r>
             <a:r>
-              <a:rPr lang="en-US" altLang="zh-TW" sz="2400" dirty="0"/>
+              <a:rPr lang="en-US" altLang="zh-TW" sz="1800" dirty="0"/>
               <a:t>(</a:t>
             </a:r>
             <a:r>
-              <a:rPr lang="en-US" altLang="zh-TW" sz="2400" dirty="0" err="1"/>
+              <a:rPr lang="en-US" altLang="zh-TW" sz="1800" dirty="0" err="1"/>
               <a:t>openSMILE</a:t>
             </a:r>
             <a:r>
-              <a:rPr lang="en-US" altLang="zh-TW" sz="2400" dirty="0"/>
+              <a:rPr lang="en-US" altLang="zh-TW" sz="1800" dirty="0"/>
               <a:t>), each </a:t>
             </a:r>
             <a:r>
-              <a:rPr lang="en-US" altLang="zh-TW" sz="2400" dirty="0" err="1"/>
+              <a:rPr lang="en-US" altLang="zh-TW" sz="1800" dirty="0" err="1"/>
               <a:t>utt</a:t>
             </a:r>
             <a:r>
-              <a:rPr lang="en-US" altLang="zh-TW" sz="2400" dirty="0"/>
+              <a:rPr lang="en-US" altLang="zh-TW" sz="1800" dirty="0"/>
               <a:t>: (2, 45)</a:t>
             </a:r>
           </a:p>
           <a:p>
             <a:r>
-              <a:rPr lang="en-US" altLang="zh-TW" sz="2400" dirty="0"/>
+              <a:rPr lang="en-US" altLang="zh-TW" sz="1800" dirty="0"/>
               <a:t>Audio + Time Feature: (45*2)*3 + 1</a:t>
             </a:r>
           </a:p>
           <a:p>
             <a:pPr lvl="1"/>
             <a:r>
-              <a:rPr lang="en-US" altLang="zh-TW" sz="2000" dirty="0"/>
+              <a:rPr lang="en-US" altLang="zh-TW" sz="1600" dirty="0"/>
               <a:t>Time feature: </a:t>
             </a:r>
             <a:r>
-              <a:rPr lang="zh-TW" altLang="en-US" sz="2000" dirty="0"/>
+              <a:rPr lang="zh-TW" altLang="en-US" sz="1600" dirty="0"/>
               <a:t>自身兩次說話起始時間間隔</a:t>
             </a:r>
-            <a:endParaRPr lang="en-US" altLang="zh-TW" sz="2000" dirty="0"/>
+            <a:endParaRPr lang="en-US" altLang="zh-TW" sz="1600" dirty="0"/>
           </a:p>
           <a:p>
             <a:endParaRPr lang="en-US" altLang="zh-TW" dirty="0"/>
@@ -6184,12 +6178,16 @@
             <a:graphicFrameLocks noGrp="1"/>
           </p:cNvGraphicFramePr>
           <p:nvPr>
-            <p:extLst/>
+            <p:extLst>
+              <p:ext uri="{D42A27DB-BD31-4B8C-83A1-F6EECF244321}">
+                <p14:modId xmlns:p14="http://schemas.microsoft.com/office/powerpoint/2010/main" val="1637226783"/>
+              </p:ext>
+            </p:extLst>
           </p:nvPr>
         </p:nvGraphicFramePr>
         <p:xfrm>
-          <a:off x="595182" y="2433732"/>
-          <a:ext cx="11001635" cy="3058005"/>
+          <a:off x="595182" y="943141"/>
+          <a:ext cx="11001635" cy="2786517"/>
         </p:xfrm>
         <a:graphic>
           <a:graphicData uri="http://schemas.openxmlformats.org/drawingml/2006/table">
@@ -6234,7 +6232,7 @@
                   </a:extLst>
                 </a:gridCol>
               </a:tblGrid>
-              <a:tr h="327026">
+              <a:tr h="309499">
                 <a:tc rowSpan="2">
                   <a:txBody>
                     <a:bodyPr/>
@@ -6243,6 +6241,12 @@
                       <a:r>
                         <a:rPr lang="en-US" altLang="zh-TW" sz="1600" dirty="0"/>
                         <a:t>Model</a:t>
+                      </a:r>
+                    </a:p>
+                    <a:p>
+                      <a:r>
+                        <a:rPr lang="en-US" altLang="zh-TW" sz="1600" dirty="0"/>
+                        <a:t>Original Dialog</a:t>
                       </a:r>
                       <a:endParaRPr lang="zh-TW" altLang="en-US" sz="1600" dirty="0"/>
                     </a:p>
@@ -6330,7 +6334,7 @@
                   </a:ext>
                 </a:extLst>
               </a:tr>
-              <a:tr h="327026">
+              <a:tr h="309499">
                 <a:tc vMerge="1">
                   <a:txBody>
                     <a:bodyPr/>
@@ -6591,7 +6595,7 @@
                   </a:ext>
                 </a:extLst>
               </a:tr>
-              <a:tr h="327026">
+              <a:tr h="309499">
                 <a:tc>
                   <a:txBody>
                     <a:bodyPr/>
@@ -6684,7 +6688,7 @@
                   </a:ext>
                 </a:extLst>
               </a:tr>
-              <a:tr h="572295">
+              <a:tr h="481799">
                 <a:tc>
                   <a:txBody>
                     <a:bodyPr/>
@@ -6793,7 +6797,7 @@
                   </a:ext>
                 </a:extLst>
               </a:tr>
-              <a:tr h="572295">
+              <a:tr h="481799">
                 <a:tc>
                   <a:txBody>
                     <a:bodyPr/>
@@ -6882,7 +6886,7 @@
                   </a:ext>
                 </a:extLst>
               </a:tr>
-              <a:tr h="327026">
+              <a:tr h="309499">
                 <a:tc>
                   <a:txBody>
                     <a:bodyPr/>
@@ -6983,7 +6987,7 @@
                   </a:ext>
                 </a:extLst>
               </a:tr>
-              <a:tr h="572295">
+              <a:tr h="481799">
                 <a:tc>
                   <a:txBody>
                     <a:bodyPr/>
@@ -7075,6 +7079,662 @@
                         <a:t>40.37 %</a:t>
                       </a:r>
                       <a:endParaRPr lang="zh-TW" altLang="en-US" sz="1600" dirty="0"/>
+                    </a:p>
+                  </a:txBody>
+                  <a:tcPr/>
+                </a:tc>
+                <a:extLst>
+                  <a:ext uri="{0D108BD9-81ED-4DB2-BD59-A6C34878D82A}">
+                    <a16:rowId xmlns:a16="http://schemas.microsoft.com/office/drawing/2014/main" val="4038487507"/>
+                  </a:ext>
+                </a:extLst>
+              </a:tr>
+            </a:tbl>
+          </a:graphicData>
+        </a:graphic>
+      </p:graphicFrame>
+      <p:graphicFrame>
+        <p:nvGraphicFramePr>
+          <p:cNvPr id="5" name="表格 4">
+            <a:extLst>
+              <a:ext uri="{FF2B5EF4-FFF2-40B4-BE49-F238E27FC236}">
+                <a16:creationId xmlns:a16="http://schemas.microsoft.com/office/drawing/2014/main" id="{6546B59C-7A99-4D56-99D6-1873E2732375}"/>
+              </a:ext>
+            </a:extLst>
+          </p:cNvPr>
+          <p:cNvGraphicFramePr>
+            <a:graphicFrameLocks noGrp="1"/>
+          </p:cNvGraphicFramePr>
+          <p:nvPr>
+            <p:extLst>
+              <p:ext uri="{D42A27DB-BD31-4B8C-83A1-F6EECF244321}">
+                <p14:modId xmlns:p14="http://schemas.microsoft.com/office/powerpoint/2010/main" val="1891997936"/>
+              </p:ext>
+            </p:extLst>
+          </p:nvPr>
+        </p:nvGraphicFramePr>
+        <p:xfrm>
+          <a:off x="595182" y="3964158"/>
+          <a:ext cx="5427406" cy="2893842"/>
+        </p:xfrm>
+        <a:graphic>
+          <a:graphicData uri="http://schemas.openxmlformats.org/drawingml/2006/table">
+            <a:tbl>
+              <a:tblPr firstRow="1" bandRow="1">
+                <a:tableStyleId>{5C22544A-7EE6-4342-B048-85BDC9FD1C3A}</a:tableStyleId>
+              </a:tblPr>
+              <a:tblGrid>
+                <a:gridCol w="2482756">
+                  <a:extLst>
+                    <a:ext uri="{9D8B030D-6E8A-4147-A177-3AD203B41FA5}">
+                      <a16:colId xmlns:a16="http://schemas.microsoft.com/office/drawing/2014/main" val="211046509"/>
+                    </a:ext>
+                  </a:extLst>
+                </a:gridCol>
+                <a:gridCol w="1120411">
+                  <a:extLst>
+                    <a:ext uri="{9D8B030D-6E8A-4147-A177-3AD203B41FA5}">
+                      <a16:colId xmlns:a16="http://schemas.microsoft.com/office/drawing/2014/main" val="1183972687"/>
+                    </a:ext>
+                  </a:extLst>
+                </a:gridCol>
+                <a:gridCol w="1824239">
+                  <a:extLst>
+                    <a:ext uri="{9D8B030D-6E8A-4147-A177-3AD203B41FA5}">
+                      <a16:colId xmlns:a16="http://schemas.microsoft.com/office/drawing/2014/main" val="441714504"/>
+                    </a:ext>
+                  </a:extLst>
+                </a:gridCol>
+              </a:tblGrid>
+              <a:tr h="315171">
+                <a:tc rowSpan="2">
+                  <a:txBody>
+                    <a:bodyPr/>
+                    <a:lstStyle/>
+                    <a:p>
+                      <a:r>
+                        <a:rPr lang="en-US" altLang="zh-TW" sz="1400" dirty="0"/>
+                        <a:t>Model</a:t>
+                      </a:r>
+                    </a:p>
+                    <a:p>
+                      <a:r>
+                        <a:rPr lang="en-US" altLang="zh-TW" sz="1400" dirty="0" err="1"/>
+                        <a:t>Dialog_rearrange</a:t>
+                      </a:r>
+                      <a:endParaRPr lang="zh-TW" altLang="en-US" sz="1400" dirty="0"/>
+                    </a:p>
+                  </a:txBody>
+                  <a:tcPr/>
+                </a:tc>
+                <a:tc gridSpan="2">
+                  <a:txBody>
+                    <a:bodyPr/>
+                    <a:lstStyle/>
+                    <a:p>
+                      <a:r>
+                        <a:rPr lang="en-US" altLang="zh-TW" sz="1400" dirty="0"/>
+                        <a:t>Audio Feature</a:t>
+                      </a:r>
+                      <a:r>
+                        <a:rPr lang="zh-TW" altLang="en-US" sz="1400" dirty="0"/>
+                        <a:t> </a:t>
+                      </a:r>
+                      <a:r>
+                        <a:rPr lang="en-US" altLang="zh-TW" sz="1400" dirty="0"/>
+                        <a:t>(</a:t>
+                      </a:r>
+                      <a:r>
+                        <a:rPr lang="en-US" altLang="zh-TW" sz="1400" dirty="0" err="1"/>
+                        <a:t>openSMILE</a:t>
+                      </a:r>
+                      <a:r>
+                        <a:rPr lang="en-US" altLang="zh-TW" sz="1400" dirty="0"/>
+                        <a:t>)</a:t>
+                      </a:r>
+                    </a:p>
+                  </a:txBody>
+                  <a:tcPr>
+                    <a:solidFill>
+                      <a:schemeClr val="accent1"/>
+                    </a:solidFill>
+                  </a:tcPr>
+                </a:tc>
+                <a:tc hMerge="1">
+                  <a:txBody>
+                    <a:bodyPr/>
+                    <a:lstStyle/>
+                    <a:p>
+                      <a:endParaRPr lang="zh-TW" altLang="en-US" dirty="0"/>
+                    </a:p>
+                  </a:txBody>
+                  <a:tcPr>
+                    <a:solidFill>
+                      <a:schemeClr val="accent1"/>
+                    </a:solidFill>
+                  </a:tcPr>
+                </a:tc>
+                <a:extLst>
+                  <a:ext uri="{0D108BD9-81ED-4DB2-BD59-A6C34878D82A}">
+                    <a16:rowId xmlns:a16="http://schemas.microsoft.com/office/drawing/2014/main" val="1178338048"/>
+                  </a:ext>
+                </a:extLst>
+              </a:tr>
+              <a:tr h="315171">
+                <a:tc vMerge="1">
+                  <a:txBody>
+                    <a:bodyPr/>
+                    <a:lstStyle/>
+                    <a:p>
+                      <a:endParaRPr lang="zh-TW" altLang="en-US"/>
+                    </a:p>
+                  </a:txBody>
+                  <a:tcPr/>
+                </a:tc>
+                <a:tc>
+                  <a:txBody>
+                    <a:bodyPr/>
+                    <a:lstStyle/>
+                    <a:p>
+                      <a:pPr marL="0" marR="0" lvl="0" indent="0" algn="l" defTabSz="914400" rtl="0" eaLnBrk="1" fontAlgn="auto" latinLnBrk="0" hangingPunct="1">
+                        <a:lnSpc>
+                          <a:spcPct val="100000"/>
+                        </a:lnSpc>
+                        <a:spcBef>
+                          <a:spcPts val="0"/>
+                        </a:spcBef>
+                        <a:spcAft>
+                          <a:spcPts val="0"/>
+                        </a:spcAft>
+                        <a:buClrTx/>
+                        <a:buSzTx/>
+                        <a:buFontTx/>
+                        <a:buNone/>
+                        <a:tabLst/>
+                        <a:defRPr/>
+                      </a:pPr>
+                      <a:r>
+                        <a:rPr kumimoji="0" lang="en-US" altLang="zh-TW" sz="1400" b="1" i="0" u="none" strike="noStrike" kern="1200" cap="none" spc="0" normalizeH="0" baseline="0" noProof="0" dirty="0">
+                          <a:ln>
+                            <a:noFill/>
+                          </a:ln>
+                          <a:solidFill>
+                            <a:prstClr val="white"/>
+                          </a:solidFill>
+                          <a:effectLst/>
+                          <a:uLnTx/>
+                          <a:uFillTx/>
+                          <a:latin typeface="+mn-lt"/>
+                          <a:ea typeface="+mn-ea"/>
+                          <a:cs typeface="+mn-cs"/>
+                        </a:rPr>
+                        <a:t>UAR</a:t>
+                      </a:r>
+                      <a:endParaRPr kumimoji="0" lang="zh-TW" altLang="en-US" sz="1400" b="1" i="0" u="none" strike="noStrike" kern="1200" cap="none" spc="0" normalizeH="0" baseline="0" noProof="0" dirty="0">
+                        <a:ln>
+                          <a:noFill/>
+                        </a:ln>
+                        <a:solidFill>
+                          <a:prstClr val="white"/>
+                        </a:solidFill>
+                        <a:effectLst/>
+                        <a:uLnTx/>
+                        <a:uFillTx/>
+                        <a:latin typeface="+mn-lt"/>
+                        <a:ea typeface="+mn-ea"/>
+                        <a:cs typeface="+mn-cs"/>
+                      </a:endParaRPr>
+                    </a:p>
+                  </a:txBody>
+                  <a:tcPr>
+                    <a:solidFill>
+                      <a:schemeClr val="accent1"/>
+                    </a:solidFill>
+                  </a:tcPr>
+                </a:tc>
+                <a:tc>
+                  <a:txBody>
+                    <a:bodyPr/>
+                    <a:lstStyle/>
+                    <a:p>
+                      <a:pPr marL="0" marR="0" lvl="0" indent="0" algn="l" defTabSz="914400" rtl="0" eaLnBrk="1" fontAlgn="auto" latinLnBrk="0" hangingPunct="1">
+                        <a:lnSpc>
+                          <a:spcPct val="100000"/>
+                        </a:lnSpc>
+                        <a:spcBef>
+                          <a:spcPts val="0"/>
+                        </a:spcBef>
+                        <a:spcAft>
+                          <a:spcPts val="0"/>
+                        </a:spcAft>
+                        <a:buClrTx/>
+                        <a:buSzTx/>
+                        <a:buFontTx/>
+                        <a:buNone/>
+                        <a:tabLst/>
+                        <a:defRPr/>
+                      </a:pPr>
+                      <a:r>
+                        <a:rPr kumimoji="0" lang="en-US" altLang="zh-TW" sz="1400" b="1" i="0" u="none" strike="noStrike" kern="1200" cap="none" spc="0" normalizeH="0" baseline="0" noProof="0" dirty="0">
+                          <a:ln>
+                            <a:noFill/>
+                          </a:ln>
+                          <a:solidFill>
+                            <a:prstClr val="white"/>
+                          </a:solidFill>
+                          <a:effectLst/>
+                          <a:uLnTx/>
+                          <a:uFillTx/>
+                          <a:latin typeface="+mn-lt"/>
+                          <a:ea typeface="+mn-ea"/>
+                          <a:cs typeface="+mn-cs"/>
+                        </a:rPr>
+                        <a:t>Precision</a:t>
+                      </a:r>
+                      <a:endParaRPr kumimoji="0" lang="zh-TW" altLang="en-US" sz="1400" b="1" i="0" u="none" strike="noStrike" kern="1200" cap="none" spc="0" normalizeH="0" baseline="0" noProof="0" dirty="0">
+                        <a:ln>
+                          <a:noFill/>
+                        </a:ln>
+                        <a:solidFill>
+                          <a:prstClr val="white"/>
+                        </a:solidFill>
+                        <a:effectLst/>
+                        <a:uLnTx/>
+                        <a:uFillTx/>
+                        <a:latin typeface="+mn-lt"/>
+                        <a:ea typeface="+mn-ea"/>
+                        <a:cs typeface="+mn-cs"/>
+                      </a:endParaRPr>
+                    </a:p>
+                  </a:txBody>
+                  <a:tcPr>
+                    <a:solidFill>
+                      <a:schemeClr val="accent1"/>
+                    </a:solidFill>
+                  </a:tcPr>
+                </a:tc>
+                <a:extLst>
+                  <a:ext uri="{0D108BD9-81ED-4DB2-BD59-A6C34878D82A}">
+                    <a16:rowId xmlns:a16="http://schemas.microsoft.com/office/drawing/2014/main" val="2640151235"/>
+                  </a:ext>
+                </a:extLst>
+              </a:tr>
+              <a:tr h="315171">
+                <a:tc>
+                  <a:txBody>
+                    <a:bodyPr/>
+                    <a:lstStyle/>
+                    <a:p>
+                      <a:r>
+                        <a:rPr lang="en-US" altLang="zh-TW" sz="1400" dirty="0"/>
+                        <a:t>SVM</a:t>
+                      </a:r>
+                      <a:r>
+                        <a:rPr lang="zh-TW" altLang="en-US" sz="1400" dirty="0"/>
+                        <a:t> </a:t>
+                      </a:r>
+                      <a:r>
+                        <a:rPr lang="en-US" altLang="zh-TW" sz="1400" dirty="0"/>
+                        <a:t>(oversample)</a:t>
+                      </a:r>
+                      <a:endParaRPr lang="zh-TW" altLang="en-US" sz="1400" dirty="0"/>
+                    </a:p>
+                  </a:txBody>
+                  <a:tcPr/>
+                </a:tc>
+                <a:tc>
+                  <a:txBody>
+                    <a:bodyPr/>
+                    <a:lstStyle/>
+                    <a:p>
+                      <a:r>
+                        <a:rPr lang="en-US" altLang="zh-TW" sz="1400" dirty="0">
+                          <a:solidFill>
+                            <a:schemeClr val="tx1"/>
+                          </a:solidFill>
+                        </a:rPr>
+                        <a:t>59.86 %</a:t>
+                      </a:r>
+                      <a:endParaRPr lang="zh-TW" altLang="en-US" sz="1400" dirty="0">
+                        <a:solidFill>
+                          <a:schemeClr val="tx1"/>
+                        </a:solidFill>
+                      </a:endParaRPr>
+                    </a:p>
+                  </a:txBody>
+                  <a:tcPr/>
+                </a:tc>
+                <a:tc>
+                  <a:txBody>
+                    <a:bodyPr/>
+                    <a:lstStyle/>
+                    <a:p>
+                      <a:r>
+                        <a:rPr lang="en-US" altLang="zh-TW" sz="1400" dirty="0">
+                          <a:solidFill>
+                            <a:schemeClr val="tx1"/>
+                          </a:solidFill>
+                        </a:rPr>
+                        <a:t>42.21 %</a:t>
+                      </a:r>
+                      <a:endParaRPr lang="zh-TW" altLang="en-US" sz="1400" dirty="0">
+                        <a:solidFill>
+                          <a:schemeClr val="tx1"/>
+                        </a:solidFill>
+                      </a:endParaRPr>
+                    </a:p>
+                  </a:txBody>
+                  <a:tcPr/>
+                </a:tc>
+                <a:extLst>
+                  <a:ext uri="{0D108BD9-81ED-4DB2-BD59-A6C34878D82A}">
+                    <a16:rowId xmlns:a16="http://schemas.microsoft.com/office/drawing/2014/main" val="144577160"/>
+                  </a:ext>
+                </a:extLst>
+              </a:tr>
+              <a:tr h="544386">
+                <a:tc>
+                  <a:txBody>
+                    <a:bodyPr/>
+                    <a:lstStyle/>
+                    <a:p>
+                      <a:r>
+                        <a:rPr lang="en-US" altLang="zh-TW" sz="1400" dirty="0"/>
+                        <a:t>Random Forest</a:t>
+                      </a:r>
+                      <a:r>
+                        <a:rPr lang="zh-TW" altLang="en-US" sz="1400" dirty="0"/>
+                        <a:t> </a:t>
+                      </a:r>
+                      <a:r>
+                        <a:rPr lang="en-US" altLang="zh-TW" sz="1400" dirty="0"/>
+                        <a:t>(oversample)</a:t>
+                      </a:r>
+                      <a:endParaRPr lang="zh-TW" altLang="en-US" sz="1400" dirty="0"/>
+                    </a:p>
+                  </a:txBody>
+                  <a:tcPr/>
+                </a:tc>
+                <a:tc>
+                  <a:txBody>
+                    <a:bodyPr/>
+                    <a:lstStyle/>
+                    <a:p>
+                      <a:r>
+                        <a:rPr lang="en-US" altLang="zh-TW" sz="1400" dirty="0">
+                          <a:solidFill>
+                            <a:schemeClr val="tx1"/>
+                          </a:solidFill>
+                        </a:rPr>
+                        <a:t>54.59 %</a:t>
+                      </a:r>
+                      <a:endParaRPr lang="zh-TW" altLang="en-US" sz="1400" dirty="0">
+                        <a:solidFill>
+                          <a:schemeClr val="tx1"/>
+                        </a:solidFill>
+                      </a:endParaRPr>
+                    </a:p>
+                  </a:txBody>
+                  <a:tcPr/>
+                </a:tc>
+                <a:tc>
+                  <a:txBody>
+                    <a:bodyPr/>
+                    <a:lstStyle/>
+                    <a:p>
+                      <a:r>
+                        <a:rPr lang="en-US" altLang="zh-TW" sz="1400" dirty="0">
+                          <a:solidFill>
+                            <a:schemeClr val="tx1"/>
+                          </a:solidFill>
+                        </a:rPr>
+                        <a:t>42.69 %</a:t>
+                      </a:r>
+                      <a:endParaRPr lang="zh-TW" altLang="en-US" sz="1400" dirty="0">
+                        <a:solidFill>
+                          <a:schemeClr val="tx1"/>
+                        </a:solidFill>
+                      </a:endParaRPr>
+                    </a:p>
+                  </a:txBody>
+                  <a:tcPr/>
+                </a:tc>
+                <a:extLst>
+                  <a:ext uri="{0D108BD9-81ED-4DB2-BD59-A6C34878D82A}">
+                    <a16:rowId xmlns:a16="http://schemas.microsoft.com/office/drawing/2014/main" val="1890774913"/>
+                  </a:ext>
+                </a:extLst>
+              </a:tr>
+              <a:tr h="544386">
+                <a:tc>
+                  <a:txBody>
+                    <a:bodyPr/>
+                    <a:lstStyle/>
+                    <a:p>
+                      <a:r>
+                        <a:rPr lang="en-US" altLang="zh-TW" sz="1400" dirty="0" err="1"/>
+                        <a:t>LogisticRegression</a:t>
+                      </a:r>
+                      <a:r>
+                        <a:rPr lang="en-US" altLang="zh-TW" sz="1400" dirty="0"/>
+                        <a:t> (</a:t>
+                      </a:r>
+                      <a:r>
+                        <a:rPr lang="en-US" altLang="zh-TW" sz="1400" dirty="0" err="1"/>
+                        <a:t>class_weight</a:t>
+                      </a:r>
+                      <a:r>
+                        <a:rPr lang="en-US" altLang="zh-TW" sz="1400" dirty="0"/>
+                        <a:t>: 1/n)</a:t>
+                      </a:r>
+                      <a:endParaRPr lang="zh-TW" altLang="en-US" sz="1400" dirty="0"/>
+                    </a:p>
+                  </a:txBody>
+                  <a:tcPr/>
+                </a:tc>
+                <a:tc>
+                  <a:txBody>
+                    <a:bodyPr/>
+                    <a:lstStyle/>
+                    <a:p>
+                      <a:r>
+                        <a:rPr lang="en-US" altLang="zh-TW" sz="1400" dirty="0">
+                          <a:solidFill>
+                            <a:schemeClr val="tx1"/>
+                          </a:solidFill>
+                        </a:rPr>
+                        <a:t>58.08 %</a:t>
+                      </a:r>
+                      <a:endParaRPr lang="zh-TW" altLang="en-US" sz="1400" dirty="0">
+                        <a:solidFill>
+                          <a:schemeClr val="tx1"/>
+                        </a:solidFill>
+                      </a:endParaRPr>
+                    </a:p>
+                  </a:txBody>
+                  <a:tcPr/>
+                </a:tc>
+                <a:tc>
+                  <a:txBody>
+                    <a:bodyPr/>
+                    <a:lstStyle/>
+                    <a:p>
+                      <a:r>
+                        <a:rPr lang="en-US" altLang="zh-TW" sz="1400" dirty="0">
+                          <a:solidFill>
+                            <a:schemeClr val="tx1"/>
+                          </a:solidFill>
+                        </a:rPr>
+                        <a:t>38.86 %</a:t>
+                      </a:r>
+                      <a:endParaRPr lang="zh-TW" altLang="en-US" sz="1400" dirty="0">
+                        <a:solidFill>
+                          <a:schemeClr val="tx1"/>
+                        </a:solidFill>
+                      </a:endParaRPr>
+                    </a:p>
+                  </a:txBody>
+                  <a:tcPr/>
+                </a:tc>
+                <a:extLst>
+                  <a:ext uri="{0D108BD9-81ED-4DB2-BD59-A6C34878D82A}">
+                    <a16:rowId xmlns:a16="http://schemas.microsoft.com/office/drawing/2014/main" val="3365221638"/>
+                  </a:ext>
+                </a:extLst>
+              </a:tr>
+              <a:tr h="315171">
+                <a:tc>
+                  <a:txBody>
+                    <a:bodyPr/>
+                    <a:lstStyle/>
+                    <a:p>
+                      <a:r>
+                        <a:rPr lang="en-US" altLang="zh-TW" sz="1400" dirty="0"/>
+                        <a:t>MLP</a:t>
+                      </a:r>
+                      <a:r>
+                        <a:rPr lang="zh-TW" altLang="en-US" sz="1400" dirty="0"/>
+                        <a:t> </a:t>
+                      </a:r>
+                      <a:r>
+                        <a:rPr lang="en-US" altLang="zh-TW" sz="1400" dirty="0"/>
+                        <a:t>(oversample)</a:t>
+                      </a:r>
+                      <a:endParaRPr lang="zh-TW" altLang="en-US" sz="1400" dirty="0"/>
+                    </a:p>
+                  </a:txBody>
+                  <a:tcPr/>
+                </a:tc>
+                <a:tc>
+                  <a:txBody>
+                    <a:bodyPr/>
+                    <a:lstStyle/>
+                    <a:p>
+                      <a:r>
+                        <a:rPr lang="en-US" altLang="zh-TW" sz="1400" dirty="0">
+                          <a:solidFill>
+                            <a:schemeClr val="tx1"/>
+                          </a:solidFill>
+                        </a:rPr>
+                        <a:t>56.88 %</a:t>
+                      </a:r>
+                      <a:endParaRPr lang="zh-TW" altLang="en-US" sz="1400" dirty="0">
+                        <a:solidFill>
+                          <a:schemeClr val="tx1"/>
+                        </a:solidFill>
+                      </a:endParaRPr>
+                    </a:p>
+                  </a:txBody>
+                  <a:tcPr/>
+                </a:tc>
+                <a:tc>
+                  <a:txBody>
+                    <a:bodyPr/>
+                    <a:lstStyle/>
+                    <a:p>
+                      <a:r>
+                        <a:rPr lang="en-US" altLang="zh-TW" sz="1400" dirty="0">
+                          <a:solidFill>
+                            <a:schemeClr val="tx1"/>
+                          </a:solidFill>
+                        </a:rPr>
+                        <a:t>38.67 %</a:t>
+                      </a:r>
+                      <a:endParaRPr lang="zh-TW" altLang="en-US" sz="1400" dirty="0">
+                        <a:solidFill>
+                          <a:schemeClr val="tx1"/>
+                        </a:solidFill>
+                      </a:endParaRPr>
+                    </a:p>
+                  </a:txBody>
+                  <a:tcPr/>
+                </a:tc>
+                <a:extLst>
+                  <a:ext uri="{0D108BD9-81ED-4DB2-BD59-A6C34878D82A}">
+                    <a16:rowId xmlns:a16="http://schemas.microsoft.com/office/drawing/2014/main" val="336766761"/>
+                  </a:ext>
+                </a:extLst>
+              </a:tr>
+              <a:tr h="544386">
+                <a:tc>
+                  <a:txBody>
+                    <a:bodyPr/>
+                    <a:lstStyle/>
+                    <a:p>
+                      <a:pPr marL="0" marR="0" lvl="0" indent="0" algn="l" defTabSz="914400" rtl="0" eaLnBrk="1" fontAlgn="auto" latinLnBrk="0" hangingPunct="1">
+                        <a:lnSpc>
+                          <a:spcPct val="100000"/>
+                        </a:lnSpc>
+                        <a:spcBef>
+                          <a:spcPts val="0"/>
+                        </a:spcBef>
+                        <a:spcAft>
+                          <a:spcPts val="0"/>
+                        </a:spcAft>
+                        <a:buClrTx/>
+                        <a:buSzTx/>
+                        <a:buFontTx/>
+                        <a:buNone/>
+                        <a:tabLst/>
+                        <a:defRPr/>
+                      </a:pPr>
+                      <a:r>
+                        <a:rPr lang="en-US" altLang="zh-TW" sz="1400" dirty="0"/>
+                        <a:t>MLP</a:t>
+                      </a:r>
+                      <a:r>
+                        <a:rPr lang="zh-TW" altLang="en-US" sz="1400" dirty="0"/>
+                        <a:t> </a:t>
+                      </a:r>
+                      <a:r>
+                        <a:rPr lang="en-US" altLang="zh-TW" sz="1400" dirty="0"/>
+                        <a:t>(weighted Cross Entropy)</a:t>
+                      </a:r>
+                      <a:endParaRPr lang="zh-TW" altLang="en-US" sz="1400" dirty="0"/>
+                    </a:p>
+                  </a:txBody>
+                  <a:tcPr/>
+                </a:tc>
+                <a:tc>
+                  <a:txBody>
+                    <a:bodyPr/>
+                    <a:lstStyle/>
+                    <a:p>
+                      <a:r>
+                        <a:rPr lang="en-US" altLang="zh-TW" sz="1400" dirty="0">
+                          <a:solidFill>
+                            <a:schemeClr val="tx1"/>
+                          </a:solidFill>
+                        </a:rPr>
+                        <a:t>57.11 %</a:t>
+                      </a:r>
+                      <a:endParaRPr lang="zh-TW" altLang="en-US" sz="1400" dirty="0">
+                        <a:solidFill>
+                          <a:schemeClr val="tx1"/>
+                        </a:solidFill>
+                      </a:endParaRPr>
+                    </a:p>
+                  </a:txBody>
+                  <a:tcPr/>
+                </a:tc>
+                <a:tc>
+                  <a:txBody>
+                    <a:bodyPr/>
+                    <a:lstStyle/>
+                    <a:p>
+                      <a:r>
+                        <a:rPr lang="en-US" altLang="zh-TW" sz="1400" dirty="0">
+                          <a:solidFill>
+                            <a:schemeClr val="tx1"/>
+                          </a:solidFill>
+                        </a:rPr>
+                        <a:t>38.88 %</a:t>
+                      </a:r>
+                      <a:endParaRPr lang="zh-TW" altLang="en-US" sz="1400" dirty="0">
+                        <a:solidFill>
+                          <a:schemeClr val="tx1"/>
+                        </a:solidFill>
+                      </a:endParaRPr>
                     </a:p>
                   </a:txBody>
                   <a:tcPr/>

--- a/Results.pptx
+++ b/Results.pptx
@@ -14,7 +14,7 @@
     <p:sldId id="264" r:id="rId5"/>
     <p:sldId id="265" r:id="rId6"/>
     <p:sldId id="266" r:id="rId7"/>
-    <p:sldId id="267" r:id="rId8"/>
+    <p:sldId id="268" r:id="rId8"/>
   </p:sldIdLst>
   <p:sldSz cx="12192000" cy="6858000"/>
   <p:notesSz cx="6858000" cy="9144000"/>
@@ -203,7 +203,7 @@
           <a:p>
             <a:fld id="{00AF4C90-A0CB-45B0-8210-59338C5C7B2C}" type="datetimeFigureOut">
               <a:rPr lang="zh-TW" altLang="en-US" smtClean="0"/>
-              <a:t>2022/1/11</a:t>
+              <a:t>2022/1/12</a:t>
             </a:fld>
             <a:endParaRPr lang="zh-TW" altLang="en-US"/>
           </a:p>
@@ -638,90 +638,6 @@
 </p:notes>
 </file>
 
-<file path=ppt/notesSlides/notesSlide3.xml><?xml version="1.0" encoding="utf-8"?>
-<p:notes xmlns:a="http://schemas.openxmlformats.org/drawingml/2006/main" xmlns:r="http://schemas.openxmlformats.org/officeDocument/2006/relationships" xmlns:p="http://schemas.openxmlformats.org/presentationml/2006/main">
-  <p:cSld>
-    <p:spTree>
-      <p:nvGrpSpPr>
-        <p:cNvPr id="1" name=""/>
-        <p:cNvGrpSpPr/>
-        <p:nvPr/>
-      </p:nvGrpSpPr>
-      <p:grpSpPr>
-        <a:xfrm>
-          <a:off x="0" y="0"/>
-          <a:ext cx="0" cy="0"/>
-          <a:chOff x="0" y="0"/>
-          <a:chExt cx="0" cy="0"/>
-        </a:xfrm>
-      </p:grpSpPr>
-      <p:sp>
-        <p:nvSpPr>
-          <p:cNvPr id="2" name="投影片影像版面配置區 1"/>
-          <p:cNvSpPr>
-            <a:spLocks noGrp="1" noRot="1" noChangeAspect="1"/>
-          </p:cNvSpPr>
-          <p:nvPr>
-            <p:ph type="sldImg"/>
-          </p:nvPr>
-        </p:nvSpPr>
-        <p:spPr/>
-      </p:sp>
-      <p:sp>
-        <p:nvSpPr>
-          <p:cNvPr id="3" name="備忘稿版面配置區 2"/>
-          <p:cNvSpPr>
-            <a:spLocks noGrp="1"/>
-          </p:cNvSpPr>
-          <p:nvPr>
-            <p:ph type="body" idx="1"/>
-          </p:nvPr>
-        </p:nvSpPr>
-        <p:spPr/>
-        <p:txBody>
-          <a:bodyPr/>
-          <a:lstStyle/>
-          <a:p>
-            <a:endParaRPr lang="zh-TW" altLang="en-US" dirty="0"/>
-          </a:p>
-        </p:txBody>
-      </p:sp>
-      <p:sp>
-        <p:nvSpPr>
-          <p:cNvPr id="4" name="投影片編號版面配置區 3"/>
-          <p:cNvSpPr>
-            <a:spLocks noGrp="1"/>
-          </p:cNvSpPr>
-          <p:nvPr>
-            <p:ph type="sldNum" sz="quarter" idx="5"/>
-          </p:nvPr>
-        </p:nvSpPr>
-        <p:spPr/>
-        <p:txBody>
-          <a:bodyPr/>
-          <a:lstStyle/>
-          <a:p>
-            <a:fld id="{3780CCD2-EDEC-4596-A2E3-1CCC14B600B3}" type="slidenum">
-              <a:rPr lang="zh-TW" altLang="en-US" smtClean="0"/>
-              <a:t>7</a:t>
-            </a:fld>
-            <a:endParaRPr lang="zh-TW" altLang="en-US"/>
-          </a:p>
-        </p:txBody>
-      </p:sp>
-    </p:spTree>
-    <p:extLst>
-      <p:ext uri="{BB962C8B-B14F-4D97-AF65-F5344CB8AC3E}">
-        <p14:creationId xmlns:p14="http://schemas.microsoft.com/office/powerpoint/2010/main" val="751065406"/>
-      </p:ext>
-    </p:extLst>
-  </p:cSld>
-  <p:clrMapOvr>
-    <a:masterClrMapping/>
-  </p:clrMapOvr>
-</p:notes>
-</file>
-
 <file path=ppt/slideLayouts/slideLayout1.xml><?xml version="1.0" encoding="utf-8"?>
 <p:sldLayout xmlns:a="http://schemas.openxmlformats.org/drawingml/2006/main" xmlns:r="http://schemas.openxmlformats.org/officeDocument/2006/relationships" xmlns:p="http://schemas.openxmlformats.org/presentationml/2006/main" type="title" preserve="1">
   <p:cSld name="標題投影片">
@@ -869,7 +785,7 @@
           <a:p>
             <a:fld id="{A3AB22E8-4A63-455D-9C85-5BFA64C3707A}" type="datetimeFigureOut">
               <a:rPr lang="zh-TW" altLang="en-US" smtClean="0"/>
-              <a:t>2022/1/11</a:t>
+              <a:t>2022/1/12</a:t>
             </a:fld>
             <a:endParaRPr lang="zh-TW" altLang="en-US"/>
           </a:p>
@@ -1067,7 +983,7 @@
           <a:p>
             <a:fld id="{A3AB22E8-4A63-455D-9C85-5BFA64C3707A}" type="datetimeFigureOut">
               <a:rPr lang="zh-TW" altLang="en-US" smtClean="0"/>
-              <a:t>2022/1/11</a:t>
+              <a:t>2022/1/12</a:t>
             </a:fld>
             <a:endParaRPr lang="zh-TW" altLang="en-US"/>
           </a:p>
@@ -1275,7 +1191,7 @@
           <a:p>
             <a:fld id="{A3AB22E8-4A63-455D-9C85-5BFA64C3707A}" type="datetimeFigureOut">
               <a:rPr lang="zh-TW" altLang="en-US" smtClean="0"/>
-              <a:t>2022/1/11</a:t>
+              <a:t>2022/1/12</a:t>
             </a:fld>
             <a:endParaRPr lang="zh-TW" altLang="en-US"/>
           </a:p>
@@ -1473,7 +1389,7 @@
           <a:p>
             <a:fld id="{A3AB22E8-4A63-455D-9C85-5BFA64C3707A}" type="datetimeFigureOut">
               <a:rPr lang="zh-TW" altLang="en-US" smtClean="0"/>
-              <a:t>2022/1/11</a:t>
+              <a:t>2022/1/12</a:t>
             </a:fld>
             <a:endParaRPr lang="zh-TW" altLang="en-US"/>
           </a:p>
@@ -1748,7 +1664,7 @@
           <a:p>
             <a:fld id="{A3AB22E8-4A63-455D-9C85-5BFA64C3707A}" type="datetimeFigureOut">
               <a:rPr lang="zh-TW" altLang="en-US" smtClean="0"/>
-              <a:t>2022/1/11</a:t>
+              <a:t>2022/1/12</a:t>
             </a:fld>
             <a:endParaRPr lang="zh-TW" altLang="en-US"/>
           </a:p>
@@ -2013,7 +1929,7 @@
           <a:p>
             <a:fld id="{A3AB22E8-4A63-455D-9C85-5BFA64C3707A}" type="datetimeFigureOut">
               <a:rPr lang="zh-TW" altLang="en-US" smtClean="0"/>
-              <a:t>2022/1/11</a:t>
+              <a:t>2022/1/12</a:t>
             </a:fld>
             <a:endParaRPr lang="zh-TW" altLang="en-US"/>
           </a:p>
@@ -2425,7 +2341,7 @@
           <a:p>
             <a:fld id="{A3AB22E8-4A63-455D-9C85-5BFA64C3707A}" type="datetimeFigureOut">
               <a:rPr lang="zh-TW" altLang="en-US" smtClean="0"/>
-              <a:t>2022/1/11</a:t>
+              <a:t>2022/1/12</a:t>
             </a:fld>
             <a:endParaRPr lang="zh-TW" altLang="en-US"/>
           </a:p>
@@ -2566,7 +2482,7 @@
           <a:p>
             <a:fld id="{A3AB22E8-4A63-455D-9C85-5BFA64C3707A}" type="datetimeFigureOut">
               <a:rPr lang="zh-TW" altLang="en-US" smtClean="0"/>
-              <a:t>2022/1/11</a:t>
+              <a:t>2022/1/12</a:t>
             </a:fld>
             <a:endParaRPr lang="zh-TW" altLang="en-US"/>
           </a:p>
@@ -2679,7 +2595,7 @@
           <a:p>
             <a:fld id="{A3AB22E8-4A63-455D-9C85-5BFA64C3707A}" type="datetimeFigureOut">
               <a:rPr lang="zh-TW" altLang="en-US" smtClean="0"/>
-              <a:t>2022/1/11</a:t>
+              <a:t>2022/1/12</a:t>
             </a:fld>
             <a:endParaRPr lang="zh-TW" altLang="en-US"/>
           </a:p>
@@ -2990,7 +2906,7 @@
           <a:p>
             <a:fld id="{A3AB22E8-4A63-455D-9C85-5BFA64C3707A}" type="datetimeFigureOut">
               <a:rPr lang="zh-TW" altLang="en-US" smtClean="0"/>
-              <a:t>2022/1/11</a:t>
+              <a:t>2022/1/12</a:t>
             </a:fld>
             <a:endParaRPr lang="zh-TW" altLang="en-US"/>
           </a:p>
@@ -3278,7 +3194,7 @@
           <a:p>
             <a:fld id="{A3AB22E8-4A63-455D-9C85-5BFA64C3707A}" type="datetimeFigureOut">
               <a:rPr lang="zh-TW" altLang="en-US" smtClean="0"/>
-              <a:t>2022/1/11</a:t>
+              <a:t>2022/1/12</a:t>
             </a:fld>
             <a:endParaRPr lang="zh-TW" altLang="en-US"/>
           </a:p>
@@ -3519,7 +3435,7 @@
           <a:p>
             <a:fld id="{A3AB22E8-4A63-455D-9C85-5BFA64C3707A}" type="datetimeFigureOut">
               <a:rPr lang="zh-TW" altLang="en-US" smtClean="0"/>
-              <a:t>2022/1/11</a:t>
+              <a:t>2022/1/12</a:t>
             </a:fld>
             <a:endParaRPr lang="zh-TW" altLang="en-US"/>
           </a:p>
@@ -12279,10 +12195,43 @@
       </p:grpSpPr>
       <p:sp>
         <p:nvSpPr>
+          <p:cNvPr id="2" name="標題 1">
+            <a:extLst>
+              <a:ext uri="{FF2B5EF4-FFF2-40B4-BE49-F238E27FC236}">
+                <a16:creationId xmlns:a16="http://schemas.microsoft.com/office/drawing/2014/main" id="{A48F86D0-5858-4A14-ABFC-C83E95F3A6EF}"/>
+              </a:ext>
+            </a:extLst>
+          </p:cNvPr>
+          <p:cNvSpPr>
+            <a:spLocks noGrp="1"/>
+          </p:cNvSpPr>
+          <p:nvPr>
+            <p:ph type="title"/>
+          </p:nvPr>
+        </p:nvSpPr>
+        <p:spPr/>
+        <p:txBody>
+          <a:bodyPr/>
+          <a:lstStyle/>
+          <a:p>
+            <a:r>
+              <a:rPr lang="en-US" altLang="zh-TW" dirty="0" err="1"/>
+              <a:t>Dialog_edit</a:t>
+            </a:r>
+            <a:r>
+              <a:rPr lang="en-US" altLang="zh-TW" dirty="0"/>
+              <a:t> result </a:t>
+            </a:r>
+            <a:endParaRPr lang="zh-TW" altLang="en-US" dirty="0"/>
+          </a:p>
+        </p:txBody>
+      </p:sp>
+      <p:sp>
+        <p:nvSpPr>
           <p:cNvPr id="3" name="內容版面配置區 2">
             <a:extLst>
               <a:ext uri="{FF2B5EF4-FFF2-40B4-BE49-F238E27FC236}">
-                <a16:creationId xmlns:a16="http://schemas.microsoft.com/office/drawing/2014/main" id="{1EFD2E42-DB6B-4AD8-AE72-092635682EEE}"/>
+                <a16:creationId xmlns:a16="http://schemas.microsoft.com/office/drawing/2014/main" id="{A94B4692-E320-4952-AB17-496C25C4CC6D}"/>
               </a:ext>
             </a:extLst>
           </p:cNvPr>
@@ -12293,60 +12242,23 @@
             <p:ph idx="1"/>
           </p:nvPr>
         </p:nvSpPr>
-        <p:spPr>
-          <a:xfrm>
-            <a:off x="838200" y="0"/>
-            <a:ext cx="10515600" cy="6176963"/>
-          </a:xfrm>
-        </p:spPr>
+        <p:spPr/>
         <p:txBody>
           <a:bodyPr/>
           <a:lstStyle/>
           <a:p>
-            <a:pPr marL="0" indent="0">
-              <a:buNone/>
-            </a:pPr>
-            <a:endParaRPr lang="en-US" altLang="zh-TW" sz="2400" dirty="0"/>
-          </a:p>
-          <a:p>
             <a:r>
-              <a:rPr lang="en-US" altLang="zh-TW" sz="2400" dirty="0"/>
-              <a:t>Feature: emo distribution from </a:t>
+              <a:rPr lang="en-US" altLang="zh-TW" dirty="0"/>
+              <a:t>Skip the </a:t>
             </a:r>
             <a:r>
-              <a:rPr lang="en-US" altLang="zh-TW" sz="2400" dirty="0" err="1"/>
-              <a:t>iaan</a:t>
-            </a:r>
-            <a:r>
-              <a:rPr lang="en-US" altLang="zh-TW" sz="2400" dirty="0"/>
-              <a:t>, each </a:t>
-            </a:r>
-            <a:r>
-              <a:rPr lang="en-US" altLang="zh-TW" sz="2400" dirty="0" err="1"/>
+              <a:rPr lang="en-US" altLang="zh-TW" dirty="0" err="1"/>
               <a:t>utt</a:t>
             </a:r>
             <a:r>
-              <a:rPr lang="en-US" altLang="zh-TW" sz="2400" dirty="0"/>
-              <a:t>: (1, 4)</a:t>
+              <a:rPr lang="en-US" altLang="zh-TW" dirty="0"/>
+              <a:t> which is not in {ang, hap, neu, sad}</a:t>
             </a:r>
-            <a:endParaRPr lang="en-US" altLang="zh-TW" dirty="0"/>
-          </a:p>
-          <a:p>
-            <a:endParaRPr lang="en-US" altLang="zh-TW" dirty="0"/>
-          </a:p>
-          <a:p>
-            <a:endParaRPr lang="en-US" altLang="zh-TW" dirty="0"/>
-          </a:p>
-          <a:p>
-            <a:endParaRPr lang="en-US" altLang="zh-TW" dirty="0"/>
-          </a:p>
-          <a:p>
-            <a:endParaRPr lang="en-US" altLang="zh-TW" dirty="0"/>
-          </a:p>
-          <a:p>
-            <a:endParaRPr lang="en-US" altLang="zh-TW" dirty="0"/>
-          </a:p>
-          <a:p>
             <a:endParaRPr lang="zh-TW" altLang="en-US" dirty="0"/>
           </a:p>
         </p:txBody>
@@ -12356,7 +12268,7 @@
           <p:cNvPr id="4" name="表格 3">
             <a:extLst>
               <a:ext uri="{FF2B5EF4-FFF2-40B4-BE49-F238E27FC236}">
-                <a16:creationId xmlns:a16="http://schemas.microsoft.com/office/drawing/2014/main" id="{82904CFF-967C-45A1-97BB-72B0D19224D3}"/>
+                <a16:creationId xmlns:a16="http://schemas.microsoft.com/office/drawing/2014/main" id="{1A06367E-1ACC-4DD4-8D45-05EA9CD411A9}"/>
               </a:ext>
             </a:extLst>
           </p:cNvPr>
@@ -12366,14 +12278,14 @@
           <p:nvPr>
             <p:extLst>
               <p:ext uri="{D42A27DB-BD31-4B8C-83A1-F6EECF244321}">
-                <p14:modId xmlns:p14="http://schemas.microsoft.com/office/powerpoint/2010/main" val="385238527"/>
+                <p14:modId xmlns:p14="http://schemas.microsoft.com/office/powerpoint/2010/main" val="3290198243"/>
               </p:ext>
             </p:extLst>
           </p:nvPr>
         </p:nvGraphicFramePr>
         <p:xfrm>
-          <a:off x="595182" y="970237"/>
-          <a:ext cx="11001635" cy="3301845"/>
+          <a:off x="1755388" y="2554373"/>
+          <a:ext cx="5427406" cy="3009012"/>
         </p:xfrm>
         <a:graphic>
           <a:graphicData uri="http://schemas.openxmlformats.org/drawingml/2006/table">
@@ -12382,43 +12294,29 @@
                 <a:tableStyleId>{5C22544A-7EE6-4342-B048-85BDC9FD1C3A}</a:tableStyleId>
               </a:tblPr>
               <a:tblGrid>
-                <a:gridCol w="3320596">
+                <a:gridCol w="2836277">
                   <a:extLst>
                     <a:ext uri="{9D8B030D-6E8A-4147-A177-3AD203B41FA5}">
                       <a16:colId xmlns:a16="http://schemas.microsoft.com/office/drawing/2014/main" val="211046509"/>
                     </a:ext>
                   </a:extLst>
                 </a:gridCol>
-                <a:gridCol w="1498509">
+                <a:gridCol w="1199535">
                   <a:extLst>
                     <a:ext uri="{9D8B030D-6E8A-4147-A177-3AD203B41FA5}">
                       <a16:colId xmlns:a16="http://schemas.microsoft.com/office/drawing/2014/main" val="1183972687"/>
                     </a:ext>
                   </a:extLst>
                 </a:gridCol>
-                <a:gridCol w="2439854">
+                <a:gridCol w="1391594">
                   <a:extLst>
                     <a:ext uri="{9D8B030D-6E8A-4147-A177-3AD203B41FA5}">
                       <a16:colId xmlns:a16="http://schemas.microsoft.com/office/drawing/2014/main" val="441714504"/>
                     </a:ext>
                   </a:extLst>
                 </a:gridCol>
-                <a:gridCol w="1245160">
-                  <a:extLst>
-                    <a:ext uri="{9D8B030D-6E8A-4147-A177-3AD203B41FA5}">
-                      <a16:colId xmlns:a16="http://schemas.microsoft.com/office/drawing/2014/main" val="3635777610"/>
-                    </a:ext>
-                  </a:extLst>
-                </a:gridCol>
-                <a:gridCol w="2497516">
-                  <a:extLst>
-                    <a:ext uri="{9D8B030D-6E8A-4147-A177-3AD203B41FA5}">
-                      <a16:colId xmlns:a16="http://schemas.microsoft.com/office/drawing/2014/main" val="1222900012"/>
-                    </a:ext>
-                  </a:extLst>
-                </a:gridCol>
               </a:tblGrid>
-              <a:tr h="327026">
+              <a:tr h="315171">
                 <a:tc rowSpan="2">
                   <a:txBody>
                     <a:bodyPr/>
@@ -12428,6 +12326,12 @@
                         <a:rPr lang="en-US" altLang="zh-TW" sz="1600" dirty="0"/>
                         <a:t>Model</a:t>
                       </a:r>
+                    </a:p>
+                    <a:p>
+                      <a:r>
+                        <a:rPr lang="en-US" altLang="zh-TW" sz="1600" dirty="0" err="1"/>
+                        <a:t>Dialog_rearrange</a:t>
+                      </a:r>
                       <a:endParaRPr lang="zh-TW" altLang="en-US" sz="1600" dirty="0"/>
                     </a:p>
                   </a:txBody>
@@ -12440,13 +12344,23 @@
                     <a:p>
                       <a:r>
                         <a:rPr lang="en-US" altLang="zh-TW" sz="1600" dirty="0"/>
-                        <a:t>emo distribution from IAAN</a:t>
-                      </a:r>
-                    </a:p>
-                    <a:p>
+                        <a:t>Audio Feature</a:t>
+                      </a:r>
+                      <a:r>
+                        <a:rPr lang="zh-TW" altLang="en-US" sz="1600" dirty="0"/>
+                        <a:t> </a:t>
+                      </a:r>
                       <a:r>
                         <a:rPr lang="en-US" altLang="zh-TW" sz="1600" dirty="0"/>
-                        <a:t>UAR: 65.22%, ACC:64.33%</a:t>
+                        <a:t>(</a:t>
+                      </a:r>
+                      <a:r>
+                        <a:rPr lang="en-US" altLang="zh-TW" sz="1600" dirty="0" err="1"/>
+                        <a:t>openSMILE</a:t>
+                      </a:r>
+                      <a:r>
+                        <a:rPr lang="en-US" altLang="zh-TW" sz="1600" dirty="0"/>
+                        <a:t>)</a:t>
                       </a:r>
                     </a:p>
                   </a:txBody>
@@ -12470,7 +12384,24 @@
                     </a:solidFill>
                   </a:tcPr>
                 </a:tc>
-                <a:tc gridSpan="2">
+                <a:extLst>
+                  <a:ext uri="{0D108BD9-81ED-4DB2-BD59-A6C34878D82A}">
+                    <a16:rowId xmlns:a16="http://schemas.microsoft.com/office/drawing/2014/main" val="1178338048"/>
+                  </a:ext>
+                </a:extLst>
+              </a:tr>
+              <a:tr h="315171">
+                <a:tc vMerge="1">
+                  <a:txBody>
+                    <a:bodyPr/>
+                    <a:lstStyle/>
+                    <a:p>
+                      <a:endParaRPr lang="zh-TW" altLang="en-US"/>
+                    </a:p>
+                  </a:txBody>
+                  <a:tcPr/>
+                </a:tc>
+                <a:tc>
                   <a:txBody>
                     <a:bodyPr/>
                     <a:lstStyle/>
@@ -12493,10 +12424,48 @@
                         <a:defRPr/>
                       </a:pPr>
                       <a:r>
-                        <a:rPr lang="en-US" altLang="zh-TW" sz="1600" dirty="0"/>
-                        <a:t>emo distribution from DAG</a:t>
-                      </a:r>
-                    </a:p>
+                        <a:rPr kumimoji="0" lang="en-US" altLang="zh-TW" sz="1600" b="1" i="0" u="none" strike="noStrike" kern="1200" cap="none" spc="0" normalizeH="0" baseline="0" noProof="0" dirty="0">
+                          <a:ln>
+                            <a:noFill/>
+                          </a:ln>
+                          <a:solidFill>
+                            <a:prstClr val="white"/>
+                          </a:solidFill>
+                          <a:effectLst/>
+                          <a:uLnTx/>
+                          <a:uFillTx/>
+                          <a:latin typeface="+mn-lt"/>
+                          <a:ea typeface="+mn-ea"/>
+                          <a:cs typeface="+mn-cs"/>
+                        </a:rPr>
+                        <a:t>UAR</a:t>
+                      </a:r>
+                      <a:endParaRPr kumimoji="0" lang="zh-TW" altLang="en-US" sz="1600" b="1" i="0" u="none" strike="noStrike" kern="1200" cap="none" spc="0" normalizeH="0" baseline="0" noProof="0" dirty="0">
+                        <a:ln>
+                          <a:noFill/>
+                        </a:ln>
+                        <a:solidFill>
+                          <a:prstClr val="white"/>
+                        </a:solidFill>
+                        <a:effectLst/>
+                        <a:uLnTx/>
+                        <a:uFillTx/>
+                        <a:latin typeface="+mn-lt"/>
+                        <a:ea typeface="+mn-ea"/>
+                        <a:cs typeface="+mn-cs"/>
+                      </a:endParaRPr>
+                    </a:p>
+                  </a:txBody>
+                  <a:tcPr>
+                    <a:solidFill>
+                      <a:schemeClr val="accent1"/>
+                    </a:solidFill>
+                  </a:tcPr>
+                </a:tc>
+                <a:tc>
+                  <a:txBody>
+                    <a:bodyPr/>
+                    <a:lstStyle/>
                     <a:p>
                       <a:pPr marL="0" marR="0" lvl="0" indent="0" algn="l" defTabSz="914400" rtl="0" eaLnBrk="1" fontAlgn="auto" latinLnBrk="0" hangingPunct="1">
                         <a:lnSpc>
@@ -12516,22 +12485,36 @@
                         <a:defRPr/>
                       </a:pPr>
                       <a:r>
-                        <a:rPr lang="en-US" altLang="zh-TW" sz="1600" dirty="0"/>
-                        <a:t>UAR</a:t>
-                      </a:r>
-                      <a:r>
-                        <a:rPr lang="en-US" altLang="zh-TW" sz="1600"/>
-                        <a:t>: 68.64%, </a:t>
-                      </a:r>
-                      <a:r>
-                        <a:rPr lang="en-US" altLang="zh-TW" sz="1600" dirty="0"/>
-                        <a:t>ACC</a:t>
-                      </a:r>
-                      <a:r>
-                        <a:rPr lang="en-US" altLang="zh-TW" sz="1600"/>
-                        <a:t>:66.62%</a:t>
-                      </a:r>
-                      <a:endParaRPr lang="en-US" altLang="zh-TW" sz="1600" dirty="0"/>
+                        <a:rPr kumimoji="0" lang="en-US" altLang="zh-TW" sz="1600" b="1" i="0" u="none" strike="noStrike" kern="1200" cap="none" spc="0" normalizeH="0" baseline="0" noProof="0" dirty="0">
+                          <a:ln>
+                            <a:noFill/>
+                          </a:ln>
+                          <a:solidFill>
+                            <a:prstClr val="white"/>
+                          </a:solidFill>
+                          <a:effectLst/>
+                          <a:uLnTx/>
+                          <a:uFillTx/>
+                          <a:latin typeface="+mn-lt"/>
+                          <a:ea typeface="+mn-ea"/>
+                          <a:cs typeface="+mn-cs"/>
+                        </a:rPr>
+                        <a:t>Precision</a:t>
+                      </a:r>
+                      <a:endParaRPr kumimoji="0" lang="zh-TW" altLang="en-US" sz="1600" b="1" i="0" u="none" strike="noStrike" kern="1200" cap="none" spc="0" normalizeH="0" baseline="0" noProof="0" dirty="0">
+                        <a:ln>
+                          <a:noFill/>
+                        </a:ln>
+                        <a:solidFill>
+                          <a:prstClr val="white"/>
+                        </a:solidFill>
+                        <a:effectLst/>
+                        <a:uLnTx/>
+                        <a:uFillTx/>
+                        <a:latin typeface="+mn-lt"/>
+                        <a:ea typeface="+mn-ea"/>
+                        <a:cs typeface="+mn-cs"/>
+                      </a:endParaRPr>
                     </a:p>
                   </a:txBody>
                   <a:tcPr>
@@ -12540,33 +12523,309 @@
                     </a:solidFill>
                   </a:tcPr>
                 </a:tc>
-                <a:tc hMerge="1">
-                  <a:txBody>
-                    <a:bodyPr/>
-                    <a:lstStyle/>
-                    <a:p>
-                      <a:endParaRPr lang="zh-TW" altLang="en-US" dirty="0"/>
-                    </a:p>
-                  </a:txBody>
-                  <a:tcPr/>
-                </a:tc>
                 <a:extLst>
                   <a:ext uri="{0D108BD9-81ED-4DB2-BD59-A6C34878D82A}">
-                    <a16:rowId xmlns:a16="http://schemas.microsoft.com/office/drawing/2014/main" val="1178338048"/>
+                    <a16:rowId xmlns:a16="http://schemas.microsoft.com/office/drawing/2014/main" val="2640151235"/>
                   </a:ext>
                 </a:extLst>
               </a:tr>
-              <a:tr h="327026">
-                <a:tc vMerge="1">
-                  <a:txBody>
-                    <a:bodyPr/>
-                    <a:lstStyle/>
-                    <a:p>
-                      <a:endParaRPr lang="zh-TW" altLang="en-US"/>
+              <a:tr h="315171">
+                <a:tc>
+                  <a:txBody>
+                    <a:bodyPr/>
+                    <a:lstStyle/>
+                    <a:p>
+                      <a:r>
+                        <a:rPr lang="en-US" altLang="zh-TW" sz="1600" dirty="0"/>
+                        <a:t>SVM</a:t>
+                      </a:r>
+                      <a:r>
+                        <a:rPr lang="zh-TW" altLang="en-US" sz="1600" dirty="0"/>
+                        <a:t> </a:t>
+                      </a:r>
+                      <a:r>
+                        <a:rPr lang="en-US" altLang="zh-TW" sz="1600" dirty="0"/>
+                        <a:t>(oversample)</a:t>
+                      </a:r>
+                      <a:endParaRPr lang="zh-TW" altLang="en-US" sz="1600" dirty="0"/>
                     </a:p>
                   </a:txBody>
                   <a:tcPr/>
                 </a:tc>
+                <a:tc>
+                  <a:txBody>
+                    <a:bodyPr/>
+                    <a:lstStyle/>
+                    <a:p>
+                      <a:r>
+                        <a:rPr lang="en-US" altLang="zh-TW" sz="1600" dirty="0">
+                          <a:solidFill>
+                            <a:schemeClr val="tx1"/>
+                          </a:solidFill>
+                        </a:rPr>
+                        <a:t>59.05 %</a:t>
+                      </a:r>
+                      <a:endParaRPr lang="zh-TW" altLang="en-US" sz="1600" dirty="0">
+                        <a:solidFill>
+                          <a:schemeClr val="tx1"/>
+                        </a:solidFill>
+                      </a:endParaRPr>
+                    </a:p>
+                  </a:txBody>
+                  <a:tcPr/>
+                </a:tc>
+                <a:tc>
+                  <a:txBody>
+                    <a:bodyPr/>
+                    <a:lstStyle/>
+                    <a:p>
+                      <a:r>
+                        <a:rPr lang="en-US" altLang="zh-TW" sz="1600" dirty="0">
+                          <a:solidFill>
+                            <a:schemeClr val="tx1"/>
+                          </a:solidFill>
+                        </a:rPr>
+                        <a:t>21.75 %</a:t>
+                      </a:r>
+                      <a:endParaRPr lang="zh-TW" altLang="en-US" sz="1600" dirty="0">
+                        <a:solidFill>
+                          <a:schemeClr val="tx1"/>
+                        </a:solidFill>
+                      </a:endParaRPr>
+                    </a:p>
+                  </a:txBody>
+                  <a:tcPr/>
+                </a:tc>
+                <a:extLst>
+                  <a:ext uri="{0D108BD9-81ED-4DB2-BD59-A6C34878D82A}">
+                    <a16:rowId xmlns:a16="http://schemas.microsoft.com/office/drawing/2014/main" val="144577160"/>
+                  </a:ext>
+                </a:extLst>
+              </a:tr>
+              <a:tr h="544386">
+                <a:tc>
+                  <a:txBody>
+                    <a:bodyPr/>
+                    <a:lstStyle/>
+                    <a:p>
+                      <a:r>
+                        <a:rPr lang="en-US" altLang="zh-TW" sz="1600" dirty="0"/>
+                        <a:t>Random Forest</a:t>
+                      </a:r>
+                      <a:r>
+                        <a:rPr lang="zh-TW" altLang="en-US" sz="1600" dirty="0"/>
+                        <a:t> </a:t>
+                      </a:r>
+                      <a:r>
+                        <a:rPr lang="en-US" altLang="zh-TW" sz="1600" dirty="0"/>
+                        <a:t>(oversample)</a:t>
+                      </a:r>
+                      <a:endParaRPr lang="zh-TW" altLang="en-US" sz="1600" dirty="0"/>
+                    </a:p>
+                  </a:txBody>
+                  <a:tcPr/>
+                </a:tc>
+                <a:tc>
+                  <a:txBody>
+                    <a:bodyPr/>
+                    <a:lstStyle/>
+                    <a:p>
+                      <a:r>
+                        <a:rPr lang="en-US" altLang="zh-TW" sz="1600" dirty="0">
+                          <a:solidFill>
+                            <a:schemeClr val="tx1"/>
+                          </a:solidFill>
+                        </a:rPr>
+                        <a:t>50.89 %</a:t>
+                      </a:r>
+                      <a:endParaRPr lang="zh-TW" altLang="en-US" sz="1600" dirty="0">
+                        <a:solidFill>
+                          <a:schemeClr val="tx1"/>
+                        </a:solidFill>
+                      </a:endParaRPr>
+                    </a:p>
+                  </a:txBody>
+                  <a:tcPr/>
+                </a:tc>
+                <a:tc>
+                  <a:txBody>
+                    <a:bodyPr/>
+                    <a:lstStyle/>
+                    <a:p>
+                      <a:r>
+                        <a:rPr lang="en-US" altLang="zh-TW" sz="1600" dirty="0">
+                          <a:solidFill>
+                            <a:schemeClr val="tx1"/>
+                          </a:solidFill>
+                        </a:rPr>
+                        <a:t>34.48 %</a:t>
+                      </a:r>
+                      <a:endParaRPr lang="zh-TW" altLang="en-US" sz="1600" dirty="0">
+                        <a:solidFill>
+                          <a:schemeClr val="tx1"/>
+                        </a:solidFill>
+                      </a:endParaRPr>
+                    </a:p>
+                  </a:txBody>
+                  <a:tcPr/>
+                </a:tc>
+                <a:extLst>
+                  <a:ext uri="{0D108BD9-81ED-4DB2-BD59-A6C34878D82A}">
+                    <a16:rowId xmlns:a16="http://schemas.microsoft.com/office/drawing/2014/main" val="1890774913"/>
+                  </a:ext>
+                </a:extLst>
+              </a:tr>
+              <a:tr h="544386">
+                <a:tc>
+                  <a:txBody>
+                    <a:bodyPr/>
+                    <a:lstStyle/>
+                    <a:p>
+                      <a:r>
+                        <a:rPr lang="en-US" altLang="zh-TW" sz="1600" dirty="0" err="1"/>
+                        <a:t>LogisticRegression</a:t>
+                      </a:r>
+                      <a:r>
+                        <a:rPr lang="en-US" altLang="zh-TW" sz="1600" dirty="0"/>
+                        <a:t> (</a:t>
+                      </a:r>
+                      <a:r>
+                        <a:rPr lang="en-US" altLang="zh-TW" sz="1600" dirty="0" err="1"/>
+                        <a:t>class_weight</a:t>
+                      </a:r>
+                      <a:r>
+                        <a:rPr lang="en-US" altLang="zh-TW" sz="1600" dirty="0"/>
+                        <a:t>: 1/n)</a:t>
+                      </a:r>
+                      <a:endParaRPr lang="zh-TW" altLang="en-US" sz="1600" dirty="0"/>
+                    </a:p>
+                  </a:txBody>
+                  <a:tcPr/>
+                </a:tc>
+                <a:tc>
+                  <a:txBody>
+                    <a:bodyPr/>
+                    <a:lstStyle/>
+                    <a:p>
+                      <a:r>
+                        <a:rPr lang="en-US" altLang="zh-TW" sz="1600" dirty="0">
+                          <a:solidFill>
+                            <a:schemeClr val="tx1"/>
+                          </a:solidFill>
+                        </a:rPr>
+                        <a:t>60.25 %</a:t>
+                      </a:r>
+                      <a:endParaRPr lang="zh-TW" altLang="en-US" sz="1600" dirty="0">
+                        <a:solidFill>
+                          <a:schemeClr val="tx1"/>
+                        </a:solidFill>
+                      </a:endParaRPr>
+                    </a:p>
+                  </a:txBody>
+                  <a:tcPr/>
+                </a:tc>
+                <a:tc>
+                  <a:txBody>
+                    <a:bodyPr/>
+                    <a:lstStyle/>
+                    <a:p>
+                      <a:r>
+                        <a:rPr lang="en-US" altLang="zh-TW" sz="1600" dirty="0">
+                          <a:solidFill>
+                            <a:schemeClr val="tx1"/>
+                          </a:solidFill>
+                        </a:rPr>
+                        <a:t>18.72 %</a:t>
+                      </a:r>
+                      <a:endParaRPr lang="zh-TW" altLang="en-US" sz="1600" dirty="0">
+                        <a:solidFill>
+                          <a:schemeClr val="tx1"/>
+                        </a:solidFill>
+                      </a:endParaRPr>
+                    </a:p>
+                  </a:txBody>
+                  <a:tcPr/>
+                </a:tc>
+                <a:extLst>
+                  <a:ext uri="{0D108BD9-81ED-4DB2-BD59-A6C34878D82A}">
+                    <a16:rowId xmlns:a16="http://schemas.microsoft.com/office/drawing/2014/main" val="3365221638"/>
+                  </a:ext>
+                </a:extLst>
+              </a:tr>
+              <a:tr h="315171">
+                <a:tc>
+                  <a:txBody>
+                    <a:bodyPr/>
+                    <a:lstStyle/>
+                    <a:p>
+                      <a:r>
+                        <a:rPr lang="en-US" altLang="zh-TW" sz="1600" dirty="0"/>
+                        <a:t>MLP</a:t>
+                      </a:r>
+                      <a:r>
+                        <a:rPr lang="zh-TW" altLang="en-US" sz="1600" dirty="0"/>
+                        <a:t> </a:t>
+                      </a:r>
+                      <a:r>
+                        <a:rPr lang="en-US" altLang="zh-TW" sz="1600" dirty="0"/>
+                        <a:t>(oversample)</a:t>
+                      </a:r>
+                      <a:endParaRPr lang="zh-TW" altLang="en-US" sz="1600" dirty="0"/>
+                    </a:p>
+                  </a:txBody>
+                  <a:tcPr/>
+                </a:tc>
+                <a:tc>
+                  <a:txBody>
+                    <a:bodyPr/>
+                    <a:lstStyle/>
+                    <a:p>
+                      <a:r>
+                        <a:rPr lang="en-US" altLang="zh-TW" sz="1600" dirty="0">
+                          <a:solidFill>
+                            <a:schemeClr val="tx1"/>
+                          </a:solidFill>
+                        </a:rPr>
+                        <a:t>57.67 %</a:t>
+                      </a:r>
+                      <a:endParaRPr lang="zh-TW" altLang="en-US" sz="1600" dirty="0">
+                        <a:solidFill>
+                          <a:schemeClr val="tx1"/>
+                        </a:solidFill>
+                      </a:endParaRPr>
+                    </a:p>
+                  </a:txBody>
+                  <a:tcPr/>
+                </a:tc>
+                <a:tc>
+                  <a:txBody>
+                    <a:bodyPr/>
+                    <a:lstStyle/>
+                    <a:p>
+                      <a:r>
+                        <a:rPr lang="en-US" altLang="zh-TW" sz="1600" dirty="0">
+                          <a:solidFill>
+                            <a:schemeClr val="tx1"/>
+                          </a:solidFill>
+                        </a:rPr>
+                        <a:t>25.0 %</a:t>
+                      </a:r>
+                      <a:endParaRPr lang="zh-TW" altLang="en-US" sz="1600" dirty="0">
+                        <a:solidFill>
+                          <a:schemeClr val="tx1"/>
+                        </a:solidFill>
+                      </a:endParaRPr>
+                    </a:p>
+                  </a:txBody>
+                  <a:tcPr/>
+                </a:tc>
+                <a:extLst>
+                  <a:ext uri="{0D108BD9-81ED-4DB2-BD59-A6C34878D82A}">
+                    <a16:rowId xmlns:a16="http://schemas.microsoft.com/office/drawing/2014/main" val="336766761"/>
+                  </a:ext>
+                </a:extLst>
+              </a:tr>
+              <a:tr h="544386">
                 <a:tc>
                   <a:txBody>
                     <a:bodyPr/>
@@ -12590,242 +12849,8 @@
                         <a:defRPr/>
                       </a:pPr>
                       <a:r>
-                        <a:rPr kumimoji="0" lang="en-US" altLang="zh-TW" sz="1600" b="1" i="0" u="none" strike="noStrike" kern="1200" cap="none" spc="0" normalizeH="0" baseline="0" noProof="0" dirty="0">
-                          <a:ln>
-                            <a:noFill/>
-                          </a:ln>
-                          <a:solidFill>
-                            <a:prstClr val="white"/>
-                          </a:solidFill>
-                          <a:effectLst/>
-                          <a:uLnTx/>
-                          <a:uFillTx/>
-                          <a:latin typeface="+mn-lt"/>
-                          <a:ea typeface="+mn-ea"/>
-                          <a:cs typeface="+mn-cs"/>
-                        </a:rPr>
-                        <a:t>UAR</a:t>
-                      </a:r>
-                      <a:endParaRPr kumimoji="0" lang="zh-TW" altLang="en-US" sz="1600" b="1" i="0" u="none" strike="noStrike" kern="1200" cap="none" spc="0" normalizeH="0" baseline="0" noProof="0" dirty="0">
-                        <a:ln>
-                          <a:noFill/>
-                        </a:ln>
-                        <a:solidFill>
-                          <a:prstClr val="white"/>
-                        </a:solidFill>
-                        <a:effectLst/>
-                        <a:uLnTx/>
-                        <a:uFillTx/>
-                        <a:latin typeface="+mn-lt"/>
-                        <a:ea typeface="+mn-ea"/>
-                        <a:cs typeface="+mn-cs"/>
-                      </a:endParaRPr>
-                    </a:p>
-                  </a:txBody>
-                  <a:tcPr>
-                    <a:solidFill>
-                      <a:schemeClr val="accent1"/>
-                    </a:solidFill>
-                  </a:tcPr>
-                </a:tc>
-                <a:tc>
-                  <a:txBody>
-                    <a:bodyPr/>
-                    <a:lstStyle/>
-                    <a:p>
-                      <a:pPr marL="0" marR="0" lvl="0" indent="0" algn="l" defTabSz="914400" rtl="0" eaLnBrk="1" fontAlgn="auto" latinLnBrk="0" hangingPunct="1">
-                        <a:lnSpc>
-                          <a:spcPct val="100000"/>
-                        </a:lnSpc>
-                        <a:spcBef>
-                          <a:spcPts val="0"/>
-                        </a:spcBef>
-                        <a:spcAft>
-                          <a:spcPts val="0"/>
-                        </a:spcAft>
-                        <a:buClrTx/>
-                        <a:buSzTx/>
-                        <a:buFontTx/>
-                        <a:buNone/>
-                        <a:tabLst/>
-                        <a:defRPr/>
-                      </a:pPr>
-                      <a:r>
-                        <a:rPr kumimoji="0" lang="en-US" altLang="zh-TW" sz="1600" b="1" i="0" u="none" strike="noStrike" kern="1200" cap="none" spc="0" normalizeH="0" baseline="0" noProof="0" dirty="0">
-                          <a:ln>
-                            <a:noFill/>
-                          </a:ln>
-                          <a:solidFill>
-                            <a:prstClr val="white"/>
-                          </a:solidFill>
-                          <a:effectLst/>
-                          <a:uLnTx/>
-                          <a:uFillTx/>
-                          <a:latin typeface="+mn-lt"/>
-                          <a:ea typeface="+mn-ea"/>
-                          <a:cs typeface="+mn-cs"/>
-                        </a:rPr>
-                        <a:t>Precision (predict label 1)</a:t>
-                      </a:r>
-                      <a:endParaRPr kumimoji="0" lang="zh-TW" altLang="en-US" sz="1600" b="1" i="0" u="none" strike="noStrike" kern="1200" cap="none" spc="0" normalizeH="0" baseline="0" noProof="0" dirty="0">
-                        <a:ln>
-                          <a:noFill/>
-                        </a:ln>
-                        <a:solidFill>
-                          <a:prstClr val="white"/>
-                        </a:solidFill>
-                        <a:effectLst/>
-                        <a:uLnTx/>
-                        <a:uFillTx/>
-                        <a:latin typeface="+mn-lt"/>
-                        <a:ea typeface="+mn-ea"/>
-                        <a:cs typeface="+mn-cs"/>
-                      </a:endParaRPr>
-                    </a:p>
-                  </a:txBody>
-                  <a:tcPr>
-                    <a:solidFill>
-                      <a:schemeClr val="accent1"/>
-                    </a:solidFill>
-                  </a:tcPr>
-                </a:tc>
-                <a:tc>
-                  <a:txBody>
-                    <a:bodyPr/>
-                    <a:lstStyle/>
-                    <a:p>
-                      <a:pPr marL="0" marR="0" lvl="0" indent="0" algn="l" defTabSz="914400" rtl="0" eaLnBrk="1" fontAlgn="auto" latinLnBrk="0" hangingPunct="1">
-                        <a:lnSpc>
-                          <a:spcPct val="100000"/>
-                        </a:lnSpc>
-                        <a:spcBef>
-                          <a:spcPts val="0"/>
-                        </a:spcBef>
-                        <a:spcAft>
-                          <a:spcPts val="0"/>
-                        </a:spcAft>
-                        <a:buClrTx/>
-                        <a:buSzTx/>
-                        <a:buFontTx/>
-                        <a:buNone/>
-                        <a:tabLst/>
-                        <a:defRPr/>
-                      </a:pPr>
-                      <a:r>
-                        <a:rPr kumimoji="0" lang="en-US" altLang="zh-TW" sz="1600" b="1" i="0" u="none" strike="noStrike" kern="1200" cap="none" spc="0" normalizeH="0" baseline="0" noProof="0" dirty="0">
-                          <a:ln>
-                            <a:noFill/>
-                          </a:ln>
-                          <a:solidFill>
-                            <a:prstClr val="white"/>
-                          </a:solidFill>
-                          <a:effectLst/>
-                          <a:uLnTx/>
-                          <a:uFillTx/>
-                          <a:latin typeface="+mn-lt"/>
-                          <a:ea typeface="+mn-ea"/>
-                          <a:cs typeface="+mn-cs"/>
-                        </a:rPr>
-                        <a:t>UAR</a:t>
-                      </a:r>
-                      <a:endParaRPr kumimoji="0" lang="zh-TW" altLang="en-US" sz="1600" b="1" i="0" u="none" strike="noStrike" kern="1200" cap="none" spc="0" normalizeH="0" baseline="0" noProof="0" dirty="0">
-                        <a:ln>
-                          <a:noFill/>
-                        </a:ln>
-                        <a:solidFill>
-                          <a:prstClr val="white"/>
-                        </a:solidFill>
-                        <a:effectLst/>
-                        <a:uLnTx/>
-                        <a:uFillTx/>
-                        <a:latin typeface="+mn-lt"/>
-                        <a:ea typeface="+mn-ea"/>
-                        <a:cs typeface="+mn-cs"/>
-                      </a:endParaRPr>
-                    </a:p>
-                  </a:txBody>
-                  <a:tcPr>
-                    <a:solidFill>
-                      <a:schemeClr val="accent1"/>
-                    </a:solidFill>
-                  </a:tcPr>
-                </a:tc>
-                <a:tc>
-                  <a:txBody>
-                    <a:bodyPr/>
-                    <a:lstStyle/>
-                    <a:p>
-                      <a:pPr marL="0" marR="0" lvl="0" indent="0" algn="l" defTabSz="914400" rtl="0" eaLnBrk="1" fontAlgn="auto" latinLnBrk="0" hangingPunct="1">
-                        <a:lnSpc>
-                          <a:spcPct val="100000"/>
-                        </a:lnSpc>
-                        <a:spcBef>
-                          <a:spcPts val="0"/>
-                        </a:spcBef>
-                        <a:spcAft>
-                          <a:spcPts val="0"/>
-                        </a:spcAft>
-                        <a:buClrTx/>
-                        <a:buSzTx/>
-                        <a:buFontTx/>
-                        <a:buNone/>
-                        <a:tabLst/>
-                        <a:defRPr/>
-                      </a:pPr>
-                      <a:r>
-                        <a:rPr kumimoji="0" lang="en-US" altLang="zh-TW" sz="1600" b="1" i="0" u="none" strike="noStrike" kern="1200" cap="none" spc="0" normalizeH="0" baseline="0" noProof="0" dirty="0">
-                          <a:ln>
-                            <a:noFill/>
-                          </a:ln>
-                          <a:solidFill>
-                            <a:prstClr val="white"/>
-                          </a:solidFill>
-                          <a:effectLst/>
-                          <a:uLnTx/>
-                          <a:uFillTx/>
-                          <a:latin typeface="+mn-lt"/>
-                          <a:ea typeface="+mn-ea"/>
-                          <a:cs typeface="+mn-cs"/>
-                        </a:rPr>
-                        <a:t>Precision (predict label 1)</a:t>
-                      </a:r>
-                      <a:endParaRPr kumimoji="0" lang="zh-TW" altLang="en-US" sz="1600" b="1" i="0" u="none" strike="noStrike" kern="1200" cap="none" spc="0" normalizeH="0" baseline="0" noProof="0" dirty="0">
-                        <a:ln>
-                          <a:noFill/>
-                        </a:ln>
-                        <a:solidFill>
-                          <a:prstClr val="white"/>
-                        </a:solidFill>
-                        <a:effectLst/>
-                        <a:uLnTx/>
-                        <a:uFillTx/>
-                        <a:latin typeface="+mn-lt"/>
-                        <a:ea typeface="+mn-ea"/>
-                        <a:cs typeface="+mn-cs"/>
-                      </a:endParaRPr>
-                    </a:p>
-                  </a:txBody>
-                  <a:tcPr>
-                    <a:solidFill>
-                      <a:schemeClr val="accent1"/>
-                    </a:solidFill>
-                  </a:tcPr>
-                </a:tc>
-                <a:extLst>
-                  <a:ext uri="{0D108BD9-81ED-4DB2-BD59-A6C34878D82A}">
-                    <a16:rowId xmlns:a16="http://schemas.microsoft.com/office/drawing/2014/main" val="2640151235"/>
-                  </a:ext>
-                </a:extLst>
-              </a:tr>
-              <a:tr h="327026">
-                <a:tc>
-                  <a:txBody>
-                    <a:bodyPr/>
-                    <a:lstStyle/>
-                    <a:p>
-                      <a:r>
                         <a:rPr lang="en-US" altLang="zh-TW" sz="1600" dirty="0"/>
-                        <a:t>SVM</a:t>
+                        <a:t>MLP</a:t>
                       </a:r>
                       <a:r>
                         <a:rPr lang="zh-TW" altLang="en-US" sz="1600" dirty="0"/>
@@ -12833,7 +12858,7 @@
                       </a:r>
                       <a:r>
                         <a:rPr lang="en-US" altLang="zh-TW" sz="1600" dirty="0"/>
-                        <a:t>(oversample)</a:t>
+                        <a:t>(weighted Cross Entropy)</a:t>
                       </a:r>
                       <a:endParaRPr lang="zh-TW" altLang="en-US" sz="1600" dirty="0"/>
                     </a:p>
@@ -12845,89 +12870,14 @@
                     <a:bodyPr/>
                     <a:lstStyle/>
                     <a:p>
-                      <a:endParaRPr lang="zh-TW" altLang="en-US" sz="1600" dirty="0">
-                        <a:solidFill>
-                          <a:srgbClr val="FF0000"/>
-                        </a:solidFill>
-                      </a:endParaRPr>
-                    </a:p>
-                  </a:txBody>
-                  <a:tcPr/>
-                </a:tc>
-                <a:tc>
-                  <a:txBody>
-                    <a:bodyPr/>
-                    <a:lstStyle/>
-                    <a:p>
-                      <a:endParaRPr lang="zh-TW" altLang="en-US" sz="1600" dirty="0"/>
-                    </a:p>
-                  </a:txBody>
-                  <a:tcPr/>
-                </a:tc>
-                <a:tc>
-                  <a:txBody>
-                    <a:bodyPr/>
-                    <a:lstStyle/>
-                    <a:p>
-                      <a:endParaRPr lang="zh-TW" altLang="en-US" sz="1600" dirty="0"/>
-                    </a:p>
-                  </a:txBody>
-                  <a:tcPr/>
-                </a:tc>
-                <a:tc>
-                  <a:txBody>
-                    <a:bodyPr/>
-                    <a:lstStyle/>
-                    <a:p>
-                      <a:endParaRPr lang="zh-TW" altLang="en-US" sz="1600" dirty="0"/>
-                    </a:p>
-                  </a:txBody>
-                  <a:tcPr/>
-                </a:tc>
-                <a:extLst>
-                  <a:ext uri="{0D108BD9-81ED-4DB2-BD59-A6C34878D82A}">
-                    <a16:rowId xmlns:a16="http://schemas.microsoft.com/office/drawing/2014/main" val="144577160"/>
-                  </a:ext>
-                </a:extLst>
-              </a:tr>
-              <a:tr h="572295">
-                <a:tc>
-                  <a:txBody>
-                    <a:bodyPr/>
-                    <a:lstStyle/>
-                    <a:p>
-                      <a:r>
-                        <a:rPr lang="en-US" altLang="zh-TW" sz="1600" dirty="0"/>
-                        <a:t>Random Forest</a:t>
-                      </a:r>
-                      <a:r>
-                        <a:rPr lang="zh-TW" altLang="en-US" sz="1600" dirty="0"/>
-                        <a:t> </a:t>
-                      </a:r>
-                      <a:r>
-                        <a:rPr lang="en-US" altLang="zh-TW" sz="1600" dirty="0"/>
-                        <a:t>(oversample)</a:t>
-                      </a:r>
-                      <a:endParaRPr lang="zh-TW" altLang="en-US" sz="1600" dirty="0"/>
-                    </a:p>
-                  </a:txBody>
-                  <a:tcPr/>
-                </a:tc>
-                <a:tc>
-                  <a:txBody>
-                    <a:bodyPr/>
-                    <a:lstStyle/>
-                    <a:p>
-                      <a:endParaRPr lang="zh-TW" altLang="en-US" sz="1600" dirty="0"/>
-                    </a:p>
-                  </a:txBody>
-                  <a:tcPr/>
-                </a:tc>
-                <a:tc>
-                  <a:txBody>
-                    <a:bodyPr/>
-                    <a:lstStyle/>
-                    <a:p>
+                      <a:r>
+                        <a:rPr lang="en-US" altLang="zh-TW" sz="1600" dirty="0">
+                          <a:solidFill>
+                            <a:schemeClr val="tx1"/>
+                          </a:solidFill>
+                        </a:rPr>
+                        <a:t>60.12 %</a:t>
+                      </a:r>
                       <a:endParaRPr lang="zh-TW" altLang="en-US" sz="1600" dirty="0">
                         <a:solidFill>
                           <a:schemeClr val="tx1"/>
@@ -12942,253 +12892,19 @@
                     <a:bodyPr/>
                     <a:lstStyle/>
                     <a:p>
+                      <a:r>
+                        <a:rPr lang="en-US" altLang="zh-TW" sz="1600" dirty="0">
+                          <a:solidFill>
+                            <a:schemeClr val="tx1"/>
+                          </a:solidFill>
+                        </a:rPr>
+                        <a:t>19.96 %</a:t>
+                      </a:r>
                       <a:endParaRPr lang="zh-TW" altLang="en-US" sz="1600" dirty="0">
                         <a:solidFill>
                           <a:schemeClr val="tx1"/>
                         </a:solidFill>
                       </a:endParaRPr>
-                    </a:p>
-                  </a:txBody>
-                  <a:tcPr/>
-                </a:tc>
-                <a:tc>
-                  <a:txBody>
-                    <a:bodyPr/>
-                    <a:lstStyle/>
-                    <a:p>
-                      <a:endParaRPr lang="zh-TW" altLang="en-US" sz="1600" dirty="0">
-                        <a:solidFill>
-                          <a:srgbClr val="FF0000"/>
-                        </a:solidFill>
-                      </a:endParaRPr>
-                    </a:p>
-                  </a:txBody>
-                  <a:tcPr/>
-                </a:tc>
-                <a:extLst>
-                  <a:ext uri="{0D108BD9-81ED-4DB2-BD59-A6C34878D82A}">
-                    <a16:rowId xmlns:a16="http://schemas.microsoft.com/office/drawing/2014/main" val="1890774913"/>
-                  </a:ext>
-                </a:extLst>
-              </a:tr>
-              <a:tr h="572295">
-                <a:tc>
-                  <a:txBody>
-                    <a:bodyPr/>
-                    <a:lstStyle/>
-                    <a:p>
-                      <a:r>
-                        <a:rPr lang="en-US" altLang="zh-TW" sz="1600" dirty="0" err="1"/>
-                        <a:t>LogisticRegression</a:t>
-                      </a:r>
-                      <a:r>
-                        <a:rPr lang="en-US" altLang="zh-TW" sz="1600" dirty="0"/>
-                        <a:t> (</a:t>
-                      </a:r>
-                      <a:r>
-                        <a:rPr lang="en-US" altLang="zh-TW" sz="1600" dirty="0" err="1"/>
-                        <a:t>class_weight</a:t>
-                      </a:r>
-                      <a:r>
-                        <a:rPr lang="en-US" altLang="zh-TW" sz="1600" dirty="0"/>
-                        <a:t>: 1/n)</a:t>
-                      </a:r>
-                      <a:endParaRPr lang="zh-TW" altLang="en-US" sz="1600" dirty="0"/>
-                    </a:p>
-                  </a:txBody>
-                  <a:tcPr/>
-                </a:tc>
-                <a:tc>
-                  <a:txBody>
-                    <a:bodyPr/>
-                    <a:lstStyle/>
-                    <a:p>
-                      <a:endParaRPr lang="zh-TW" altLang="en-US" sz="1600" dirty="0"/>
-                    </a:p>
-                  </a:txBody>
-                  <a:tcPr/>
-                </a:tc>
-                <a:tc>
-                  <a:txBody>
-                    <a:bodyPr/>
-                    <a:lstStyle/>
-                    <a:p>
-                      <a:endParaRPr lang="zh-TW" altLang="en-US" sz="1600" dirty="0"/>
-                    </a:p>
-                  </a:txBody>
-                  <a:tcPr/>
-                </a:tc>
-                <a:tc>
-                  <a:txBody>
-                    <a:bodyPr/>
-                    <a:lstStyle/>
-                    <a:p>
-                      <a:endParaRPr lang="zh-TW" altLang="en-US" sz="1600" dirty="0"/>
-                    </a:p>
-                  </a:txBody>
-                  <a:tcPr/>
-                </a:tc>
-                <a:tc>
-                  <a:txBody>
-                    <a:bodyPr/>
-                    <a:lstStyle/>
-                    <a:p>
-                      <a:endParaRPr lang="zh-TW" altLang="en-US" sz="1600" dirty="0"/>
-                    </a:p>
-                  </a:txBody>
-                  <a:tcPr/>
-                </a:tc>
-                <a:extLst>
-                  <a:ext uri="{0D108BD9-81ED-4DB2-BD59-A6C34878D82A}">
-                    <a16:rowId xmlns:a16="http://schemas.microsoft.com/office/drawing/2014/main" val="3365221638"/>
-                  </a:ext>
-                </a:extLst>
-              </a:tr>
-              <a:tr h="327026">
-                <a:tc>
-                  <a:txBody>
-                    <a:bodyPr/>
-                    <a:lstStyle/>
-                    <a:p>
-                      <a:r>
-                        <a:rPr lang="en-US" altLang="zh-TW" sz="1600" dirty="0"/>
-                        <a:t>MLP</a:t>
-                      </a:r>
-                      <a:r>
-                        <a:rPr lang="zh-TW" altLang="en-US" sz="1600" dirty="0"/>
-                        <a:t> </a:t>
-                      </a:r>
-                      <a:r>
-                        <a:rPr lang="en-US" altLang="zh-TW" sz="1600" dirty="0"/>
-                        <a:t>(oversample)</a:t>
-                      </a:r>
-                      <a:endParaRPr lang="zh-TW" altLang="en-US" sz="1600" dirty="0"/>
-                    </a:p>
-                  </a:txBody>
-                  <a:tcPr/>
-                </a:tc>
-                <a:tc>
-                  <a:txBody>
-                    <a:bodyPr/>
-                    <a:lstStyle/>
-                    <a:p>
-                      <a:endParaRPr lang="zh-TW" altLang="en-US" sz="1600" dirty="0"/>
-                    </a:p>
-                  </a:txBody>
-                  <a:tcPr/>
-                </a:tc>
-                <a:tc>
-                  <a:txBody>
-                    <a:bodyPr/>
-                    <a:lstStyle/>
-                    <a:p>
-                      <a:endParaRPr lang="zh-TW" altLang="en-US" sz="1600" dirty="0"/>
-                    </a:p>
-                  </a:txBody>
-                  <a:tcPr/>
-                </a:tc>
-                <a:tc>
-                  <a:txBody>
-                    <a:bodyPr/>
-                    <a:lstStyle/>
-                    <a:p>
-                      <a:endParaRPr lang="zh-TW" altLang="en-US" sz="1600" dirty="0"/>
-                    </a:p>
-                  </a:txBody>
-                  <a:tcPr/>
-                </a:tc>
-                <a:tc>
-                  <a:txBody>
-                    <a:bodyPr/>
-                    <a:lstStyle/>
-                    <a:p>
-                      <a:endParaRPr lang="zh-TW" altLang="en-US" sz="1600" dirty="0"/>
-                    </a:p>
-                  </a:txBody>
-                  <a:tcPr/>
-                </a:tc>
-                <a:extLst>
-                  <a:ext uri="{0D108BD9-81ED-4DB2-BD59-A6C34878D82A}">
-                    <a16:rowId xmlns:a16="http://schemas.microsoft.com/office/drawing/2014/main" val="336766761"/>
-                  </a:ext>
-                </a:extLst>
-              </a:tr>
-              <a:tr h="572295">
-                <a:tc>
-                  <a:txBody>
-                    <a:bodyPr/>
-                    <a:lstStyle/>
-                    <a:p>
-                      <a:pPr marL="0" marR="0" lvl="0" indent="0" algn="l" defTabSz="914400" rtl="0" eaLnBrk="1" fontAlgn="auto" latinLnBrk="0" hangingPunct="1">
-                        <a:lnSpc>
-                          <a:spcPct val="100000"/>
-                        </a:lnSpc>
-                        <a:spcBef>
-                          <a:spcPts val="0"/>
-                        </a:spcBef>
-                        <a:spcAft>
-                          <a:spcPts val="0"/>
-                        </a:spcAft>
-                        <a:buClrTx/>
-                        <a:buSzTx/>
-                        <a:buFontTx/>
-                        <a:buNone/>
-                        <a:tabLst/>
-                        <a:defRPr/>
-                      </a:pPr>
-                      <a:r>
-                        <a:rPr lang="en-US" altLang="zh-TW" sz="1600" dirty="0"/>
-                        <a:t>MLP</a:t>
-                      </a:r>
-                      <a:r>
-                        <a:rPr lang="zh-TW" altLang="en-US" sz="1600" dirty="0"/>
-                        <a:t> </a:t>
-                      </a:r>
-                      <a:r>
-                        <a:rPr lang="en-US" altLang="zh-TW" sz="1600" dirty="0"/>
-                        <a:t>(weighted Cross Entropy)</a:t>
-                      </a:r>
-                      <a:endParaRPr lang="zh-TW" altLang="en-US" sz="1600" dirty="0"/>
-                    </a:p>
-                  </a:txBody>
-                  <a:tcPr/>
-                </a:tc>
-                <a:tc>
-                  <a:txBody>
-                    <a:bodyPr/>
-                    <a:lstStyle/>
-                    <a:p>
-                      <a:endParaRPr lang="zh-TW" altLang="en-US" sz="1600" dirty="0"/>
-                    </a:p>
-                  </a:txBody>
-                  <a:tcPr/>
-                </a:tc>
-                <a:tc>
-                  <a:txBody>
-                    <a:bodyPr/>
-                    <a:lstStyle/>
-                    <a:p>
-                      <a:endParaRPr lang="zh-TW" altLang="en-US" sz="1600" dirty="0"/>
-                    </a:p>
-                  </a:txBody>
-                  <a:tcPr/>
-                </a:tc>
-                <a:tc>
-                  <a:txBody>
-                    <a:bodyPr/>
-                    <a:lstStyle/>
-                    <a:p>
-                      <a:endParaRPr lang="zh-TW" altLang="en-US" sz="1600" dirty="0"/>
-                    </a:p>
-                  </a:txBody>
-                  <a:tcPr/>
-                </a:tc>
-                <a:tc>
-                  <a:txBody>
-                    <a:bodyPr/>
-                    <a:lstStyle/>
-                    <a:p>
-                      <a:endParaRPr lang="zh-TW" altLang="en-US" sz="1600" dirty="0"/>
                     </a:p>
                   </a:txBody>
                   <a:tcPr/>
@@ -13206,7 +12922,7 @@
     </p:spTree>
     <p:extLst>
       <p:ext uri="{BB962C8B-B14F-4D97-AF65-F5344CB8AC3E}">
-        <p14:creationId xmlns:p14="http://schemas.microsoft.com/office/powerpoint/2010/main" val="364305219"/>
+        <p14:creationId xmlns:p14="http://schemas.microsoft.com/office/powerpoint/2010/main" val="3168257616"/>
       </p:ext>
     </p:extLst>
   </p:cSld>

--- a/Results.pptx
+++ b/Results.pptx
@@ -5,7 +5,7 @@
     <p:sldMasterId id="2147483648" r:id="rId1"/>
   </p:sldMasterIdLst>
   <p:notesMasterIdLst>
-    <p:notesMasterId r:id="rId9"/>
+    <p:notesMasterId r:id="rId10"/>
   </p:notesMasterIdLst>
   <p:sldIdLst>
     <p:sldId id="261" r:id="rId2"/>
@@ -15,6 +15,7 @@
     <p:sldId id="265" r:id="rId6"/>
     <p:sldId id="266" r:id="rId7"/>
     <p:sldId id="268" r:id="rId8"/>
+    <p:sldId id="269" r:id="rId9"/>
   </p:sldIdLst>
   <p:sldSz cx="12192000" cy="6858000"/>
   <p:notesSz cx="6858000" cy="9144000"/>
@@ -203,7 +204,7 @@
           <a:p>
             <a:fld id="{00AF4C90-A0CB-45B0-8210-59338C5C7B2C}" type="datetimeFigureOut">
               <a:rPr lang="zh-TW" altLang="en-US" smtClean="0"/>
-              <a:t>2022/1/12</a:t>
+              <a:t>2022/1/16</a:t>
             </a:fld>
             <a:endParaRPr lang="zh-TW" altLang="en-US"/>
           </a:p>
@@ -785,7 +786,7 @@
           <a:p>
             <a:fld id="{A3AB22E8-4A63-455D-9C85-5BFA64C3707A}" type="datetimeFigureOut">
               <a:rPr lang="zh-TW" altLang="en-US" smtClean="0"/>
-              <a:t>2022/1/12</a:t>
+              <a:t>2022/1/16</a:t>
             </a:fld>
             <a:endParaRPr lang="zh-TW" altLang="en-US"/>
           </a:p>
@@ -983,7 +984,7 @@
           <a:p>
             <a:fld id="{A3AB22E8-4A63-455D-9C85-5BFA64C3707A}" type="datetimeFigureOut">
               <a:rPr lang="zh-TW" altLang="en-US" smtClean="0"/>
-              <a:t>2022/1/12</a:t>
+              <a:t>2022/1/16</a:t>
             </a:fld>
             <a:endParaRPr lang="zh-TW" altLang="en-US"/>
           </a:p>
@@ -1191,7 +1192,7 @@
           <a:p>
             <a:fld id="{A3AB22E8-4A63-455D-9C85-5BFA64C3707A}" type="datetimeFigureOut">
               <a:rPr lang="zh-TW" altLang="en-US" smtClean="0"/>
-              <a:t>2022/1/12</a:t>
+              <a:t>2022/1/16</a:t>
             </a:fld>
             <a:endParaRPr lang="zh-TW" altLang="en-US"/>
           </a:p>
@@ -1389,7 +1390,7 @@
           <a:p>
             <a:fld id="{A3AB22E8-4A63-455D-9C85-5BFA64C3707A}" type="datetimeFigureOut">
               <a:rPr lang="zh-TW" altLang="en-US" smtClean="0"/>
-              <a:t>2022/1/12</a:t>
+              <a:t>2022/1/16</a:t>
             </a:fld>
             <a:endParaRPr lang="zh-TW" altLang="en-US"/>
           </a:p>
@@ -1664,7 +1665,7 @@
           <a:p>
             <a:fld id="{A3AB22E8-4A63-455D-9C85-5BFA64C3707A}" type="datetimeFigureOut">
               <a:rPr lang="zh-TW" altLang="en-US" smtClean="0"/>
-              <a:t>2022/1/12</a:t>
+              <a:t>2022/1/16</a:t>
             </a:fld>
             <a:endParaRPr lang="zh-TW" altLang="en-US"/>
           </a:p>
@@ -1929,7 +1930,7 @@
           <a:p>
             <a:fld id="{A3AB22E8-4A63-455D-9C85-5BFA64C3707A}" type="datetimeFigureOut">
               <a:rPr lang="zh-TW" altLang="en-US" smtClean="0"/>
-              <a:t>2022/1/12</a:t>
+              <a:t>2022/1/16</a:t>
             </a:fld>
             <a:endParaRPr lang="zh-TW" altLang="en-US"/>
           </a:p>
@@ -2341,7 +2342,7 @@
           <a:p>
             <a:fld id="{A3AB22E8-4A63-455D-9C85-5BFA64C3707A}" type="datetimeFigureOut">
               <a:rPr lang="zh-TW" altLang="en-US" smtClean="0"/>
-              <a:t>2022/1/12</a:t>
+              <a:t>2022/1/16</a:t>
             </a:fld>
             <a:endParaRPr lang="zh-TW" altLang="en-US"/>
           </a:p>
@@ -2482,7 +2483,7 @@
           <a:p>
             <a:fld id="{A3AB22E8-4A63-455D-9C85-5BFA64C3707A}" type="datetimeFigureOut">
               <a:rPr lang="zh-TW" altLang="en-US" smtClean="0"/>
-              <a:t>2022/1/12</a:t>
+              <a:t>2022/1/16</a:t>
             </a:fld>
             <a:endParaRPr lang="zh-TW" altLang="en-US"/>
           </a:p>
@@ -2595,7 +2596,7 @@
           <a:p>
             <a:fld id="{A3AB22E8-4A63-455D-9C85-5BFA64C3707A}" type="datetimeFigureOut">
               <a:rPr lang="zh-TW" altLang="en-US" smtClean="0"/>
-              <a:t>2022/1/12</a:t>
+              <a:t>2022/1/16</a:t>
             </a:fld>
             <a:endParaRPr lang="zh-TW" altLang="en-US"/>
           </a:p>
@@ -2906,7 +2907,7 @@
           <a:p>
             <a:fld id="{A3AB22E8-4A63-455D-9C85-5BFA64C3707A}" type="datetimeFigureOut">
               <a:rPr lang="zh-TW" altLang="en-US" smtClean="0"/>
-              <a:t>2022/1/12</a:t>
+              <a:t>2022/1/16</a:t>
             </a:fld>
             <a:endParaRPr lang="zh-TW" altLang="en-US"/>
           </a:p>
@@ -3194,7 +3195,7 @@
           <a:p>
             <a:fld id="{A3AB22E8-4A63-455D-9C85-5BFA64C3707A}" type="datetimeFigureOut">
               <a:rPr lang="zh-TW" altLang="en-US" smtClean="0"/>
-              <a:t>2022/1/12</a:t>
+              <a:t>2022/1/16</a:t>
             </a:fld>
             <a:endParaRPr lang="zh-TW" altLang="en-US"/>
           </a:p>
@@ -3435,7 +3436,7 @@
           <a:p>
             <a:fld id="{A3AB22E8-4A63-455D-9C85-5BFA64C3707A}" type="datetimeFigureOut">
               <a:rPr lang="zh-TW" altLang="en-US" smtClean="0"/>
-              <a:t>2022/1/12</a:t>
+              <a:t>2022/1/16</a:t>
             </a:fld>
             <a:endParaRPr lang="zh-TW" altLang="en-US"/>
           </a:p>
@@ -12932,6 +12933,633 @@
 </p:sld>
 </file>
 
+<file path=ppt/slides/slide8.xml><?xml version="1.0" encoding="utf-8"?>
+<p:sld xmlns:a="http://schemas.openxmlformats.org/drawingml/2006/main" xmlns:r="http://schemas.openxmlformats.org/officeDocument/2006/relationships" xmlns:p="http://schemas.openxmlformats.org/presentationml/2006/main">
+  <p:cSld>
+    <p:spTree>
+      <p:nvGrpSpPr>
+        <p:cNvPr id="1" name=""/>
+        <p:cNvGrpSpPr/>
+        <p:nvPr/>
+      </p:nvGrpSpPr>
+      <p:grpSpPr>
+        <a:xfrm>
+          <a:off x="0" y="0"/>
+          <a:ext cx="0" cy="0"/>
+          <a:chOff x="0" y="0"/>
+          <a:chExt cx="0" cy="0"/>
+        </a:xfrm>
+      </p:grpSpPr>
+      <p:sp>
+        <p:nvSpPr>
+          <p:cNvPr id="2" name="標題 1">
+            <a:extLst>
+              <a:ext uri="{FF2B5EF4-FFF2-40B4-BE49-F238E27FC236}">
+                <a16:creationId xmlns:a16="http://schemas.microsoft.com/office/drawing/2014/main" id="{592FC2E3-2219-4FC6-8C09-39F7BE975570}"/>
+              </a:ext>
+            </a:extLst>
+          </p:cNvPr>
+          <p:cNvSpPr>
+            <a:spLocks noGrp="1"/>
+          </p:cNvSpPr>
+          <p:nvPr>
+            <p:ph type="title"/>
+          </p:nvPr>
+        </p:nvSpPr>
+        <p:spPr/>
+        <p:txBody>
+          <a:bodyPr/>
+          <a:lstStyle/>
+          <a:p>
+            <a:r>
+              <a:rPr lang="en-US" altLang="zh-TW" dirty="0"/>
+              <a:t>Other Feature</a:t>
+            </a:r>
+            <a:endParaRPr lang="zh-TW" altLang="en-US" dirty="0"/>
+          </a:p>
+        </p:txBody>
+      </p:sp>
+      <p:graphicFrame>
+        <p:nvGraphicFramePr>
+          <p:cNvPr id="4" name="內容版面配置區 3">
+            <a:extLst>
+              <a:ext uri="{FF2B5EF4-FFF2-40B4-BE49-F238E27FC236}">
+                <a16:creationId xmlns:a16="http://schemas.microsoft.com/office/drawing/2014/main" id="{DBB0724E-754F-4072-8091-DEC41EE0ADA6}"/>
+              </a:ext>
+            </a:extLst>
+          </p:cNvPr>
+          <p:cNvGraphicFramePr>
+            <a:graphicFrameLocks noGrp="1"/>
+          </p:cNvGraphicFramePr>
+          <p:nvPr>
+            <p:ph idx="1"/>
+            <p:extLst>
+              <p:ext uri="{D42A27DB-BD31-4B8C-83A1-F6EECF244321}">
+                <p14:modId xmlns:p14="http://schemas.microsoft.com/office/powerpoint/2010/main" val="4087919969"/>
+              </p:ext>
+            </p:extLst>
+          </p:nvPr>
+        </p:nvGraphicFramePr>
+        <p:xfrm>
+          <a:off x="838200" y="3182476"/>
+          <a:ext cx="10515600" cy="1935480"/>
+        </p:xfrm>
+        <a:graphic>
+          <a:graphicData uri="http://schemas.openxmlformats.org/drawingml/2006/table">
+            <a:tbl>
+              <a:tblPr firstRow="1" bandRow="1">
+                <a:tableStyleId>{5C22544A-7EE6-4342-B048-85BDC9FD1C3A}</a:tableStyleId>
+              </a:tblPr>
+              <a:tblGrid>
+                <a:gridCol w="3505200">
+                  <a:extLst>
+                    <a:ext uri="{9D8B030D-6E8A-4147-A177-3AD203B41FA5}">
+                      <a16:colId xmlns:a16="http://schemas.microsoft.com/office/drawing/2014/main" val="2997454730"/>
+                    </a:ext>
+                  </a:extLst>
+                </a:gridCol>
+                <a:gridCol w="3505200">
+                  <a:extLst>
+                    <a:ext uri="{9D8B030D-6E8A-4147-A177-3AD203B41FA5}">
+                      <a16:colId xmlns:a16="http://schemas.microsoft.com/office/drawing/2014/main" val="195428819"/>
+                    </a:ext>
+                  </a:extLst>
+                </a:gridCol>
+                <a:gridCol w="3505200">
+                  <a:extLst>
+                    <a:ext uri="{9D8B030D-6E8A-4147-A177-3AD203B41FA5}">
+                      <a16:colId xmlns:a16="http://schemas.microsoft.com/office/drawing/2014/main" val="3155561913"/>
+                    </a:ext>
+                  </a:extLst>
+                </a:gridCol>
+              </a:tblGrid>
+              <a:tr h="370840">
+                <a:tc>
+                  <a:txBody>
+                    <a:bodyPr/>
+                    <a:lstStyle/>
+                    <a:p>
+                      <a:pPr marL="0" marR="0" lvl="0" indent="0" algn="l" defTabSz="914400" rtl="0" eaLnBrk="1" fontAlgn="auto" latinLnBrk="0" hangingPunct="1">
+                        <a:lnSpc>
+                          <a:spcPct val="100000"/>
+                        </a:lnSpc>
+                        <a:spcBef>
+                          <a:spcPts val="0"/>
+                        </a:spcBef>
+                        <a:spcAft>
+                          <a:spcPts val="0"/>
+                        </a:spcAft>
+                        <a:buClrTx/>
+                        <a:buSzTx/>
+                        <a:buFontTx/>
+                        <a:buNone/>
+                        <a:tabLst/>
+                        <a:defRPr/>
+                      </a:pPr>
+                      <a:r>
+                        <a:rPr lang="en-US" altLang="zh-TW" sz="1600" dirty="0" err="1"/>
+                        <a:t>Dialog_rearrange</a:t>
+                      </a:r>
+                      <a:endParaRPr lang="zh-TW" altLang="en-US" sz="1600" dirty="0"/>
+                    </a:p>
+                    <a:p>
+                      <a:pPr marL="0" marR="0" lvl="0" indent="0" algn="l" defTabSz="914400" rtl="0" eaLnBrk="1" fontAlgn="auto" latinLnBrk="0" hangingPunct="1">
+                        <a:lnSpc>
+                          <a:spcPct val="100000"/>
+                        </a:lnSpc>
+                        <a:spcBef>
+                          <a:spcPts val="0"/>
+                        </a:spcBef>
+                        <a:spcAft>
+                          <a:spcPts val="0"/>
+                        </a:spcAft>
+                        <a:buClrTx/>
+                        <a:buSzTx/>
+                        <a:buFontTx/>
+                        <a:buNone/>
+                        <a:tabLst/>
+                        <a:defRPr/>
+                      </a:pPr>
+                      <a:r>
+                        <a:rPr lang="en-US" altLang="zh-TW" sz="1600" dirty="0"/>
+                        <a:t>Skip the </a:t>
+                      </a:r>
+                      <a:r>
+                        <a:rPr lang="en-US" altLang="zh-TW" sz="1600" dirty="0" err="1"/>
+                        <a:t>utt</a:t>
+                      </a:r>
+                      <a:r>
+                        <a:rPr lang="en-US" altLang="zh-TW" sz="1600" dirty="0"/>
+                        <a:t> which is not in </a:t>
+                      </a:r>
+                    </a:p>
+                    <a:p>
+                      <a:pPr marL="0" marR="0" lvl="0" indent="0" algn="l" defTabSz="914400" rtl="0" eaLnBrk="1" fontAlgn="auto" latinLnBrk="0" hangingPunct="1">
+                        <a:lnSpc>
+                          <a:spcPct val="100000"/>
+                        </a:lnSpc>
+                        <a:spcBef>
+                          <a:spcPts val="0"/>
+                        </a:spcBef>
+                        <a:spcAft>
+                          <a:spcPts val="0"/>
+                        </a:spcAft>
+                        <a:buClrTx/>
+                        <a:buSzTx/>
+                        <a:buFontTx/>
+                        <a:buNone/>
+                        <a:tabLst/>
+                        <a:defRPr/>
+                      </a:pPr>
+                      <a:r>
+                        <a:rPr lang="en-US" altLang="zh-TW" sz="1600" dirty="0"/>
+                        <a:t>{ang, hap, neu, sad}</a:t>
+                      </a:r>
+                      <a:endParaRPr lang="zh-TW" altLang="en-US" sz="1600" dirty="0"/>
+                    </a:p>
+                  </a:txBody>
+                  <a:tcPr/>
+                </a:tc>
+                <a:tc>
+                  <a:txBody>
+                    <a:bodyPr/>
+                    <a:lstStyle/>
+                    <a:p>
+                      <a:r>
+                        <a:rPr lang="en-US" altLang="zh-TW" dirty="0"/>
+                        <a:t>EMO SHIFT (86.01 %)</a:t>
+                      </a:r>
+                    </a:p>
+                    <a:p>
+                      <a:r>
+                        <a:rPr lang="en-US" altLang="zh-TW" dirty="0"/>
+                        <a:t>m</a:t>
+                      </a:r>
+                      <a:r>
+                        <a:rPr lang="en-US" altLang="zh-TW"/>
+                        <a:t>ean </a:t>
+                      </a:r>
+                      <a:r>
+                        <a:rPr lang="en-US" altLang="zh-TW" dirty="0"/>
+                        <a:t>+- std</a:t>
+                      </a:r>
+                      <a:endParaRPr lang="zh-TW" altLang="en-US" dirty="0"/>
+                    </a:p>
+                  </a:txBody>
+                  <a:tcPr/>
+                </a:tc>
+                <a:tc>
+                  <a:txBody>
+                    <a:bodyPr/>
+                    <a:lstStyle/>
+                    <a:p>
+                      <a:r>
+                        <a:rPr lang="en-US" altLang="zh-TW" dirty="0"/>
+                        <a:t>EMO NO SHIFT (13.99 %)</a:t>
+                      </a:r>
+                    </a:p>
+                    <a:p>
+                      <a:pPr marL="0" marR="0" lvl="0" indent="0" algn="l" defTabSz="914400" rtl="0" eaLnBrk="1" fontAlgn="auto" latinLnBrk="0" hangingPunct="1">
+                        <a:lnSpc>
+                          <a:spcPct val="100000"/>
+                        </a:lnSpc>
+                        <a:spcBef>
+                          <a:spcPts val="0"/>
+                        </a:spcBef>
+                        <a:spcAft>
+                          <a:spcPts val="0"/>
+                        </a:spcAft>
+                        <a:buClrTx/>
+                        <a:buSzTx/>
+                        <a:buFontTx/>
+                        <a:buNone/>
+                        <a:tabLst/>
+                        <a:defRPr/>
+                      </a:pPr>
+                      <a:r>
+                        <a:rPr lang="en-US" altLang="zh-TW" dirty="0"/>
+                        <a:t>mean +- std</a:t>
+                      </a:r>
+                      <a:endParaRPr lang="zh-TW" altLang="en-US" dirty="0"/>
+                    </a:p>
+                  </a:txBody>
+                  <a:tcPr/>
+                </a:tc>
+                <a:extLst>
+                  <a:ext uri="{0D108BD9-81ED-4DB2-BD59-A6C34878D82A}">
+                    <a16:rowId xmlns:a16="http://schemas.microsoft.com/office/drawing/2014/main" val="1202098422"/>
+                  </a:ext>
+                </a:extLst>
+              </a:tr>
+              <a:tr h="370840">
+                <a:tc>
+                  <a:txBody>
+                    <a:bodyPr/>
+                    <a:lstStyle/>
+                    <a:p>
+                      <a:r>
+                        <a:rPr lang="en-US" altLang="zh-TW" dirty="0" err="1"/>
+                        <a:t>cosine_similarity</a:t>
+                      </a:r>
+                      <a:r>
+                        <a:rPr lang="en-US" altLang="zh-TW" dirty="0"/>
+                        <a:t> (0~1)</a:t>
+                      </a:r>
+                      <a:endParaRPr lang="zh-TW" altLang="en-US" dirty="0"/>
+                    </a:p>
+                  </a:txBody>
+                  <a:tcPr/>
+                </a:tc>
+                <a:tc>
+                  <a:txBody>
+                    <a:bodyPr/>
+                    <a:lstStyle/>
+                    <a:p>
+                      <a:r>
+                        <a:rPr lang="en-US" altLang="zh-TW" dirty="0"/>
+                        <a:t>0.57+-0.54</a:t>
+                      </a:r>
+                      <a:endParaRPr lang="zh-TW" altLang="en-US" dirty="0"/>
+                    </a:p>
+                  </a:txBody>
+                  <a:tcPr/>
+                </a:tc>
+                <a:tc>
+                  <a:txBody>
+                    <a:bodyPr/>
+                    <a:lstStyle/>
+                    <a:p>
+                      <a:pPr marL="0" marR="0" lvl="0" indent="0" algn="l" defTabSz="914400" rtl="0" eaLnBrk="1" fontAlgn="auto" latinLnBrk="0" hangingPunct="1">
+                        <a:lnSpc>
+                          <a:spcPct val="100000"/>
+                        </a:lnSpc>
+                        <a:spcBef>
+                          <a:spcPts val="0"/>
+                        </a:spcBef>
+                        <a:spcAft>
+                          <a:spcPts val="0"/>
+                        </a:spcAft>
+                        <a:buClrTx/>
+                        <a:buSzTx/>
+                        <a:buFontTx/>
+                        <a:buNone/>
+                        <a:tabLst/>
+                        <a:defRPr/>
+                      </a:pPr>
+                      <a:r>
+                        <a:rPr lang="en-US" altLang="zh-TW" dirty="0"/>
+                        <a:t>0.84+-0.3</a:t>
+                      </a:r>
+                      <a:endParaRPr lang="zh-TW" altLang="en-US" dirty="0"/>
+                    </a:p>
+                  </a:txBody>
+                  <a:tcPr/>
+                </a:tc>
+                <a:extLst>
+                  <a:ext uri="{0D108BD9-81ED-4DB2-BD59-A6C34878D82A}">
+                    <a16:rowId xmlns:a16="http://schemas.microsoft.com/office/drawing/2014/main" val="1070740225"/>
+                  </a:ext>
+                </a:extLst>
+              </a:tr>
+              <a:tr h="370840">
+                <a:tc>
+                  <a:txBody>
+                    <a:bodyPr/>
+                    <a:lstStyle/>
+                    <a:p>
+                      <a:r>
+                        <a:rPr lang="en-US" altLang="zh-TW" dirty="0" err="1"/>
+                        <a:t>kl_divergence</a:t>
+                      </a:r>
+                      <a:r>
+                        <a:rPr lang="en-US" altLang="zh-TW" dirty="0"/>
+                        <a:t> (0~inf)</a:t>
+                      </a:r>
+                      <a:endParaRPr lang="zh-TW" altLang="en-US" dirty="0"/>
+                    </a:p>
+                  </a:txBody>
+                  <a:tcPr/>
+                </a:tc>
+                <a:tc>
+                  <a:txBody>
+                    <a:bodyPr/>
+                    <a:lstStyle/>
+                    <a:p>
+                      <a:r>
+                        <a:rPr lang="en-US" altLang="zh-TW" dirty="0"/>
+                        <a:t>0.98+-1.66</a:t>
+                      </a:r>
+                      <a:endParaRPr lang="zh-TW" altLang="en-US" dirty="0"/>
+                    </a:p>
+                  </a:txBody>
+                  <a:tcPr/>
+                </a:tc>
+                <a:tc>
+                  <a:txBody>
+                    <a:bodyPr/>
+                    <a:lstStyle/>
+                    <a:p>
+                      <a:r>
+                        <a:rPr lang="en-US" altLang="zh-TW" dirty="0"/>
+                        <a:t>0.31+-0.66</a:t>
+                      </a:r>
+                      <a:endParaRPr lang="zh-TW" altLang="en-US" dirty="0"/>
+                    </a:p>
+                  </a:txBody>
+                  <a:tcPr/>
+                </a:tc>
+                <a:extLst>
+                  <a:ext uri="{0D108BD9-81ED-4DB2-BD59-A6C34878D82A}">
+                    <a16:rowId xmlns:a16="http://schemas.microsoft.com/office/drawing/2014/main" val="3110873442"/>
+                  </a:ext>
+                </a:extLst>
+              </a:tr>
+              <a:tr h="370840">
+                <a:tc>
+                  <a:txBody>
+                    <a:bodyPr/>
+                    <a:lstStyle/>
+                    <a:p>
+                      <a:r>
+                        <a:rPr lang="en-US" altLang="zh-TW" dirty="0" err="1"/>
+                        <a:t>earth_mover_dist</a:t>
+                      </a:r>
+                      <a:r>
+                        <a:rPr lang="en-US" altLang="zh-TW" dirty="0"/>
+                        <a:t> (0~inf)</a:t>
+                      </a:r>
+                      <a:endParaRPr lang="zh-TW" altLang="en-US" dirty="0"/>
+                    </a:p>
+                  </a:txBody>
+                  <a:tcPr/>
+                </a:tc>
+                <a:tc>
+                  <a:txBody>
+                    <a:bodyPr/>
+                    <a:lstStyle/>
+                    <a:p>
+                      <a:r>
+                        <a:rPr lang="en-US" altLang="zh-TW" dirty="0"/>
+                        <a:t>0.92+-0.78</a:t>
+                      </a:r>
+                      <a:endParaRPr lang="zh-TW" altLang="en-US" dirty="0"/>
+                    </a:p>
+                  </a:txBody>
+                  <a:tcPr/>
+                </a:tc>
+                <a:tc>
+                  <a:txBody>
+                    <a:bodyPr/>
+                    <a:lstStyle/>
+                    <a:p>
+                      <a:r>
+                        <a:rPr lang="en-US" altLang="zh-TW" dirty="0"/>
+                        <a:t>0.72+-0.57</a:t>
+                      </a:r>
+                      <a:endParaRPr lang="zh-TW" altLang="en-US" dirty="0"/>
+                    </a:p>
+                  </a:txBody>
+                  <a:tcPr/>
+                </a:tc>
+                <a:extLst>
+                  <a:ext uri="{0D108BD9-81ED-4DB2-BD59-A6C34878D82A}">
+                    <a16:rowId xmlns:a16="http://schemas.microsoft.com/office/drawing/2014/main" val="1360057023"/>
+                  </a:ext>
+                </a:extLst>
+              </a:tr>
+            </a:tbl>
+          </a:graphicData>
+        </a:graphic>
+      </p:graphicFrame>
+      <mc:AlternateContent xmlns:mc="http://schemas.openxmlformats.org/markup-compatibility/2006">
+        <mc:Choice xmlns:a14="http://schemas.microsoft.com/office/drawing/2010/main" Requires="a14">
+          <p:sp>
+            <p:nvSpPr>
+              <p:cNvPr id="5" name="文字方塊 4">
+                <a:extLst>
+                  <a:ext uri="{FF2B5EF4-FFF2-40B4-BE49-F238E27FC236}">
+                    <a16:creationId xmlns:a16="http://schemas.microsoft.com/office/drawing/2014/main" id="{E56A76DC-01F4-4EF7-9F8F-C60162984493}"/>
+                  </a:ext>
+                </a:extLst>
+              </p:cNvPr>
+              <p:cNvSpPr txBox="1"/>
+              <p:nvPr/>
+            </p:nvSpPr>
+            <p:spPr>
+              <a:xfrm>
+                <a:off x="838200" y="1690688"/>
+                <a:ext cx="8797413" cy="1316322"/>
+              </a:xfrm>
+              <a:prstGeom prst="rect">
+                <a:avLst/>
+              </a:prstGeom>
+              <a:noFill/>
+            </p:spPr>
+            <p:txBody>
+              <a:bodyPr wrap="square" rtlCol="0">
+                <a:spAutoFit/>
+              </a:bodyPr>
+              <a:lstStyle/>
+              <a:p>
+                <a:pPr marL="285750" indent="-285750">
+                  <a:buFont typeface="Arial" panose="020B0604020202020204" pitchFamily="34" charset="0"/>
+                  <a:buChar char="•"/>
+                </a:pPr>
+                <a:r>
+                  <a:rPr lang="en-US" altLang="zh-TW" sz="2000" dirty="0"/>
+                  <a:t>Calculate the difference between two emo. distributions (</a:t>
+                </a:r>
+                <a14:m>
+                  <m:oMath xmlns:m="http://schemas.openxmlformats.org/officeDocument/2006/math">
+                    <m:sSub>
+                      <m:sSubPr>
+                        <m:ctrlPr>
+                          <a:rPr lang="en-US" altLang="zh-TW" sz="2000" i="1">
+                            <a:latin typeface="Cambria Math" panose="02040503050406030204" pitchFamily="18" charset="0"/>
+                          </a:rPr>
+                        </m:ctrlPr>
+                      </m:sSubPr>
+                      <m:e>
+                        <m:r>
+                          <a:rPr lang="en-US" altLang="zh-TW" sz="2000" i="1">
+                            <a:latin typeface="Cambria Math" panose="02040503050406030204" pitchFamily="18" charset="0"/>
+                          </a:rPr>
+                          <m:t>𝑈</m:t>
+                        </m:r>
+                      </m:e>
+                      <m:sub>
+                        <m:r>
+                          <a:rPr lang="en-US" altLang="zh-TW" sz="2000" i="1">
+                            <a:latin typeface="Cambria Math" panose="02040503050406030204" pitchFamily="18" charset="0"/>
+                          </a:rPr>
+                          <m:t>𝑐</m:t>
+                        </m:r>
+                      </m:sub>
+                    </m:sSub>
+                  </m:oMath>
+                </a14:m>
+                <a:r>
+                  <a:rPr lang="en-US" altLang="zh-TW" sz="2000" dirty="0"/>
+                  <a:t> &amp; </a:t>
+                </a:r>
+                <a14:m>
+                  <m:oMath xmlns:m="http://schemas.openxmlformats.org/officeDocument/2006/math">
+                    <m:sSub>
+                      <m:sSubPr>
+                        <m:ctrlPr>
+                          <a:rPr lang="en-US" altLang="zh-TW" sz="2000" i="1">
+                            <a:latin typeface="Cambria Math" panose="02040503050406030204" pitchFamily="18" charset="0"/>
+                          </a:rPr>
+                        </m:ctrlPr>
+                      </m:sSubPr>
+                      <m:e>
+                        <m:r>
+                          <a:rPr lang="en-US" altLang="zh-TW" sz="2000" i="1">
+                            <a:latin typeface="Cambria Math" panose="02040503050406030204" pitchFamily="18" charset="0"/>
+                          </a:rPr>
+                          <m:t>𝑈</m:t>
+                        </m:r>
+                      </m:e>
+                      <m:sub>
+                        <m:r>
+                          <a:rPr lang="en-US" altLang="zh-TW" sz="2000" i="1">
+                            <a:latin typeface="Cambria Math" panose="02040503050406030204" pitchFamily="18" charset="0"/>
+                          </a:rPr>
+                          <m:t>𝑝</m:t>
+                        </m:r>
+                      </m:sub>
+                    </m:sSub>
+                  </m:oMath>
+                </a14:m>
+                <a:r>
+                  <a:rPr lang="en-US" altLang="zh-TW" sz="2000" dirty="0"/>
+                  <a:t>)</a:t>
+                </a:r>
+              </a:p>
+              <a:p>
+                <a:pPr marL="285750" indent="-285750">
+                  <a:buFont typeface="Arial" panose="020B0604020202020204" pitchFamily="34" charset="0"/>
+                  <a:buChar char="•"/>
+                </a:pPr>
+                <a:r>
+                  <a:rPr lang="en-US" altLang="zh-TW" sz="2000" dirty="0"/>
+                  <a:t>emo distribution from DAG</a:t>
+                </a:r>
+              </a:p>
+              <a:p>
+                <a:pPr marL="742950" lvl="1" indent="-285750">
+                  <a:buFont typeface="Arial" panose="020B0604020202020204" pitchFamily="34" charset="0"/>
+                  <a:buChar char="•"/>
+                </a:pPr>
+                <a:r>
+                  <a:rPr lang="en-US" altLang="zh-TW" sz="2000" dirty="0"/>
+                  <a:t>UAR: 68.64%, ACC:66.62%</a:t>
+                </a:r>
+              </a:p>
+              <a:p>
+                <a:endParaRPr lang="zh-TW" altLang="en-US" dirty="0"/>
+              </a:p>
+            </p:txBody>
+          </p:sp>
+        </mc:Choice>
+        <mc:Fallback>
+          <p:sp>
+            <p:nvSpPr>
+              <p:cNvPr id="5" name="文字方塊 4">
+                <a:extLst>
+                  <a:ext uri="{FF2B5EF4-FFF2-40B4-BE49-F238E27FC236}">
+                    <a16:creationId xmlns:a16="http://schemas.microsoft.com/office/drawing/2014/main" id="{E56A76DC-01F4-4EF7-9F8F-C60162984493}"/>
+                  </a:ext>
+                </a:extLst>
+              </p:cNvPr>
+              <p:cNvSpPr txBox="1">
+                <a:spLocks noRot="1" noChangeAspect="1" noMove="1" noResize="1" noEditPoints="1" noAdjustHandles="1" noChangeArrowheads="1" noChangeShapeType="1" noTextEdit="1"/>
+              </p:cNvSpPr>
+              <p:nvPr/>
+            </p:nvSpPr>
+            <p:spPr>
+              <a:xfrm>
+                <a:off x="838200" y="1690688"/>
+                <a:ext cx="8797413" cy="1316322"/>
+              </a:xfrm>
+              <a:prstGeom prst="rect">
+                <a:avLst/>
+              </a:prstGeom>
+              <a:blipFill>
+                <a:blip r:embed="rId2"/>
+                <a:stretch>
+                  <a:fillRect l="-624" t="-1852"/>
+                </a:stretch>
+              </a:blipFill>
+            </p:spPr>
+            <p:txBody>
+              <a:bodyPr/>
+              <a:lstStyle/>
+              <a:p>
+                <a:r>
+                  <a:rPr lang="zh-TW" altLang="en-US">
+                    <a:noFill/>
+                  </a:rPr>
+                  <a:t> </a:t>
+                </a:r>
+              </a:p>
+            </p:txBody>
+          </p:sp>
+        </mc:Fallback>
+      </mc:AlternateContent>
+    </p:spTree>
+    <p:extLst>
+      <p:ext uri="{BB962C8B-B14F-4D97-AF65-F5344CB8AC3E}">
+        <p14:creationId xmlns:p14="http://schemas.microsoft.com/office/powerpoint/2010/main" val="1926329833"/>
+      </p:ext>
+    </p:extLst>
+  </p:cSld>
+  <p:clrMapOvr>
+    <a:masterClrMapping/>
+  </p:clrMapOvr>
+</p:sld>
+</file>
+
 <file path=ppt/theme/theme1.xml><?xml version="1.0" encoding="utf-8"?>
 <a:theme xmlns:a="http://schemas.openxmlformats.org/drawingml/2006/main" name="Office 佈景主題">
   <a:themeElements>
